--- a/Courses/ML_Concepts/Module_06_Natural_Language_Processing/Module_6_Natural_Language_Processing_02_word_embeddings.pptx
+++ b/Courses/ML_Concepts/Module_06_Natural_Language_Processing/Module_6_Natural_Language_Processing_02_word_embeddings.pptx
@@ -5,7 +5,7 @@
     <p:sldMasterId id="2147483648" r:id="rId1"/>
   </p:sldMasterIdLst>
   <p:notesMasterIdLst>
-    <p:notesMasterId r:id="rId27"/>
+    <p:notesMasterId r:id="rId21"/>
   </p:notesMasterIdLst>
   <p:sldIdLst>
     <p:sldId id="2052" r:id="rId2"/>
@@ -16,23 +16,17 @@
     <p:sldId id="357" r:id="rId7"/>
     <p:sldId id="358" r:id="rId8"/>
     <p:sldId id="359" r:id="rId9"/>
-    <p:sldId id="388" r:id="rId10"/>
-    <p:sldId id="360" r:id="rId11"/>
-    <p:sldId id="361" r:id="rId12"/>
-    <p:sldId id="362" r:id="rId13"/>
-    <p:sldId id="363" r:id="rId14"/>
-    <p:sldId id="385" r:id="rId15"/>
-    <p:sldId id="364" r:id="rId16"/>
-    <p:sldId id="365" r:id="rId17"/>
-    <p:sldId id="386" r:id="rId18"/>
-    <p:sldId id="389" r:id="rId19"/>
-    <p:sldId id="366" r:id="rId20"/>
-    <p:sldId id="367" r:id="rId21"/>
-    <p:sldId id="387" r:id="rId22"/>
-    <p:sldId id="368" r:id="rId23"/>
-    <p:sldId id="369" r:id="rId24"/>
-    <p:sldId id="370" r:id="rId25"/>
-    <p:sldId id="383" r:id="rId26"/>
+    <p:sldId id="360" r:id="rId10"/>
+    <p:sldId id="361" r:id="rId11"/>
+    <p:sldId id="362" r:id="rId12"/>
+    <p:sldId id="363" r:id="rId13"/>
+    <p:sldId id="364" r:id="rId14"/>
+    <p:sldId id="365" r:id="rId15"/>
+    <p:sldId id="389" r:id="rId16"/>
+    <p:sldId id="366" r:id="rId17"/>
+    <p:sldId id="367" r:id="rId18"/>
+    <p:sldId id="387" r:id="rId19"/>
+    <p:sldId id="369" r:id="rId20"/>
   </p:sldIdLst>
   <p:sldSz cx="12192000" cy="6858000"/>
   <p:notesSz cx="6858000" cy="9144000"/>
@@ -221,7 +215,7 @@
           <a:p>
             <a:fld id="{D413DE1F-BDA4-B541-921C-9252FCFBFC55}" type="datetimeFigureOut">
               <a:rPr lang="en-US" smtClean="0"/>
-              <a:t>10/15/2024</a:t>
+              <a:t>11/13/2024</a:t>
             </a:fld>
             <a:endParaRPr lang="en-US"/>
           </a:p>
@@ -572,6 +566,1248 @@
 </p:notes>
 </file>
 
+<file path=ppt/notesSlides/notesSlide10.xml><?xml version="1.0" encoding="utf-8"?>
+<p:notes xmlns:a="http://schemas.openxmlformats.org/drawingml/2006/main" xmlns:r="http://schemas.openxmlformats.org/officeDocument/2006/relationships" xmlns:p="http://schemas.openxmlformats.org/presentationml/2006/main">
+  <p:cSld>
+    <p:spTree>
+      <p:nvGrpSpPr>
+        <p:cNvPr id="1" name=""/>
+        <p:cNvGrpSpPr/>
+        <p:nvPr/>
+      </p:nvGrpSpPr>
+      <p:grpSpPr>
+        <a:xfrm>
+          <a:off x="0" y="0"/>
+          <a:ext cx="0" cy="0"/>
+          <a:chOff x="0" y="0"/>
+          <a:chExt cx="0" cy="0"/>
+        </a:xfrm>
+      </p:grpSpPr>
+      <p:sp>
+        <p:nvSpPr>
+          <p:cNvPr id="2" name="Slide Image Placeholder 1"/>
+          <p:cNvSpPr>
+            <a:spLocks noGrp="1" noRot="1" noChangeAspect="1"/>
+          </p:cNvSpPr>
+          <p:nvPr>
+            <p:ph type="sldImg"/>
+          </p:nvPr>
+        </p:nvSpPr>
+        <p:spPr/>
+      </p:sp>
+      <p:sp>
+        <p:nvSpPr>
+          <p:cNvPr id="3" name="Notes Placeholder 2"/>
+          <p:cNvSpPr>
+            <a:spLocks noGrp="1"/>
+          </p:cNvSpPr>
+          <p:nvPr>
+            <p:ph type="body" idx="1"/>
+          </p:nvPr>
+        </p:nvSpPr>
+        <p:spPr/>
+        <p:txBody>
+          <a:bodyPr/>
+          <a:lstStyle/>
+          <a:p>
+            <a:r>
+              <a:rPr lang="en-US" dirty="0"/>
+              <a:t>So we set up our classification task, where we provide the network with a given phrase.</a:t>
+            </a:r>
+          </a:p>
+          <a:p>
+            <a:endParaRPr lang="en-US" dirty="0"/>
+          </a:p>
+          <a:p>
+            <a:r>
+              <a:rPr lang="en-US" dirty="0"/>
+              <a:t>Then, given the center word and one of the randomly chosen outside words,  we want the neural network to provide the probability of every word in the vocabulary being the nearby word.</a:t>
+            </a:r>
+          </a:p>
+          <a:p>
+            <a:endParaRPr lang="en-US" dirty="0"/>
+          </a:p>
+          <a:p>
+            <a:r>
+              <a:rPr lang="en-US" dirty="0"/>
+              <a:t>Since we can calculate these probability from a training set of text, and generate training example of matched center words (w in this case) and outside words  (t in this example). </a:t>
+            </a:r>
+          </a:p>
+        </p:txBody>
+      </p:sp>
+      <p:sp>
+        <p:nvSpPr>
+          <p:cNvPr id="4" name="Slide Number Placeholder 3"/>
+          <p:cNvSpPr>
+            <a:spLocks noGrp="1"/>
+          </p:cNvSpPr>
+          <p:nvPr>
+            <p:ph type="sldNum" sz="quarter" idx="5"/>
+          </p:nvPr>
+        </p:nvSpPr>
+        <p:spPr/>
+        <p:txBody>
+          <a:bodyPr/>
+          <a:lstStyle/>
+          <a:p>
+            <a:fld id="{27DEF642-877A-3748-9CD7-D82B07A9C9C9}" type="slidenum">
+              <a:rPr lang="en-US" smtClean="0"/>
+              <a:t>10</a:t>
+            </a:fld>
+            <a:endParaRPr lang="en-US"/>
+          </a:p>
+        </p:txBody>
+      </p:sp>
+    </p:spTree>
+    <p:extLst>
+      <p:ext uri="{BB962C8B-B14F-4D97-AF65-F5344CB8AC3E}">
+        <p14:creationId xmlns:p14="http://schemas.microsoft.com/office/powerpoint/2010/main" val="1365983281"/>
+      </p:ext>
+    </p:extLst>
+  </p:cSld>
+  <p:clrMapOvr>
+    <a:masterClrMapping/>
+  </p:clrMapOvr>
+</p:notes>
+</file>
+
+<file path=ppt/notesSlides/notesSlide11.xml><?xml version="1.0" encoding="utf-8"?>
+<p:notes xmlns:a="http://schemas.openxmlformats.org/drawingml/2006/main" xmlns:r="http://schemas.openxmlformats.org/officeDocument/2006/relationships" xmlns:p="http://schemas.openxmlformats.org/presentationml/2006/main">
+  <p:cSld>
+    <p:spTree>
+      <p:nvGrpSpPr>
+        <p:cNvPr id="1" name=""/>
+        <p:cNvGrpSpPr/>
+        <p:nvPr/>
+      </p:nvGrpSpPr>
+      <p:grpSpPr>
+        <a:xfrm>
+          <a:off x="0" y="0"/>
+          <a:ext cx="0" cy="0"/>
+          <a:chOff x="0" y="0"/>
+          <a:chExt cx="0" cy="0"/>
+        </a:xfrm>
+      </p:grpSpPr>
+      <p:sp>
+        <p:nvSpPr>
+          <p:cNvPr id="2" name="Slide Image Placeholder 1"/>
+          <p:cNvSpPr>
+            <a:spLocks noGrp="1" noRot="1" noChangeAspect="1"/>
+          </p:cNvSpPr>
+          <p:nvPr>
+            <p:ph type="sldImg"/>
+          </p:nvPr>
+        </p:nvSpPr>
+        <p:spPr/>
+      </p:sp>
+      <p:sp>
+        <p:nvSpPr>
+          <p:cNvPr id="3" name="Notes Placeholder 2"/>
+          <p:cNvSpPr>
+            <a:spLocks noGrp="1"/>
+          </p:cNvSpPr>
+          <p:nvPr>
+            <p:ph type="body" idx="1"/>
+          </p:nvPr>
+        </p:nvSpPr>
+        <p:spPr/>
+        <p:txBody>
+          <a:bodyPr/>
+          <a:lstStyle/>
+          <a:p>
+            <a:r>
+              <a:rPr lang="en-US" dirty="0"/>
+              <a:t>Here is an example of generating those word pairs given a widow size of 2.</a:t>
+            </a:r>
+          </a:p>
+          <a:p>
+            <a:endParaRPr lang="en-US" dirty="0"/>
+          </a:p>
+          <a:p>
+            <a:r>
+              <a:rPr lang="en-US" dirty="0"/>
+              <a:t>That means that for a given center word, we look at the 2 words that come before and 2 words that appear after.</a:t>
+            </a:r>
+          </a:p>
+          <a:p>
+            <a:endParaRPr lang="en-US" dirty="0"/>
+          </a:p>
+          <a:p>
+            <a:r>
+              <a:rPr lang="en-US" dirty="0"/>
+              <a:t>Then each center word is paired with each of the outside words.</a:t>
+            </a:r>
+          </a:p>
+        </p:txBody>
+      </p:sp>
+      <p:sp>
+        <p:nvSpPr>
+          <p:cNvPr id="4" name="Slide Number Placeholder 3"/>
+          <p:cNvSpPr>
+            <a:spLocks noGrp="1"/>
+          </p:cNvSpPr>
+          <p:nvPr>
+            <p:ph type="sldNum" sz="quarter" idx="5"/>
+          </p:nvPr>
+        </p:nvSpPr>
+        <p:spPr/>
+        <p:txBody>
+          <a:bodyPr/>
+          <a:lstStyle/>
+          <a:p>
+            <a:fld id="{27DEF642-877A-3748-9CD7-D82B07A9C9C9}" type="slidenum">
+              <a:rPr lang="en-US" smtClean="0"/>
+              <a:t>11</a:t>
+            </a:fld>
+            <a:endParaRPr lang="en-US"/>
+          </a:p>
+        </p:txBody>
+      </p:sp>
+    </p:spTree>
+    <p:extLst>
+      <p:ext uri="{BB962C8B-B14F-4D97-AF65-F5344CB8AC3E}">
+        <p14:creationId xmlns:p14="http://schemas.microsoft.com/office/powerpoint/2010/main" val="595828979"/>
+      </p:ext>
+    </p:extLst>
+  </p:cSld>
+  <p:clrMapOvr>
+    <a:masterClrMapping/>
+  </p:clrMapOvr>
+</p:notes>
+</file>
+
+<file path=ppt/notesSlides/notesSlide12.xml><?xml version="1.0" encoding="utf-8"?>
+<p:notes xmlns:a="http://schemas.openxmlformats.org/drawingml/2006/main" xmlns:r="http://schemas.openxmlformats.org/officeDocument/2006/relationships" xmlns:p="http://schemas.openxmlformats.org/presentationml/2006/main">
+  <p:cSld>
+    <p:spTree>
+      <p:nvGrpSpPr>
+        <p:cNvPr id="1" name=""/>
+        <p:cNvGrpSpPr/>
+        <p:nvPr/>
+      </p:nvGrpSpPr>
+      <p:grpSpPr>
+        <a:xfrm>
+          <a:off x="0" y="0"/>
+          <a:ext cx="0" cy="0"/>
+          <a:chOff x="0" y="0"/>
+          <a:chExt cx="0" cy="0"/>
+        </a:xfrm>
+      </p:grpSpPr>
+      <p:sp>
+        <p:nvSpPr>
+          <p:cNvPr id="2" name="Slide Image Placeholder 1"/>
+          <p:cNvSpPr>
+            <a:spLocks noGrp="1" noRot="1" noChangeAspect="1"/>
+          </p:cNvSpPr>
+          <p:nvPr>
+            <p:ph type="sldImg"/>
+          </p:nvPr>
+        </p:nvSpPr>
+        <p:spPr/>
+      </p:sp>
+      <p:sp>
+        <p:nvSpPr>
+          <p:cNvPr id="3" name="Notes Placeholder 2"/>
+          <p:cNvSpPr>
+            <a:spLocks noGrp="1"/>
+          </p:cNvSpPr>
+          <p:nvPr>
+            <p:ph type="body" idx="1"/>
+          </p:nvPr>
+        </p:nvSpPr>
+        <p:spPr/>
+        <p:txBody>
+          <a:bodyPr/>
+          <a:lstStyle/>
+          <a:p>
+            <a:r>
+              <a:rPr lang="en-US" dirty="0"/>
+              <a:t>For the training set, the number of each times a pairing of center and outside words is used to learn the statistics. </a:t>
+            </a:r>
+          </a:p>
+          <a:p>
+            <a:endParaRPr lang="en-US" dirty="0"/>
+          </a:p>
+          <a:p>
+            <a:r>
+              <a:rPr lang="en-US" dirty="0"/>
+              <a:t>For example, we would likely find more occurrence of the word “cancer” found around the word “lung” than we would find the word “sasquatch.”</a:t>
+            </a:r>
+          </a:p>
+          <a:p>
+            <a:endParaRPr lang="en-US" dirty="0"/>
+          </a:p>
+          <a:p>
+            <a:r>
+              <a:rPr lang="en-US" dirty="0"/>
+              <a:t>So we would expect our trained model to proved a much higher probability of finding the word “cancer” or “metastasis” next to lung than the word “Sasquatch”.</a:t>
+            </a:r>
+          </a:p>
+          <a:p>
+            <a:endParaRPr lang="en-US" dirty="0"/>
+          </a:p>
+        </p:txBody>
+      </p:sp>
+      <p:sp>
+        <p:nvSpPr>
+          <p:cNvPr id="4" name="Slide Number Placeholder 3"/>
+          <p:cNvSpPr>
+            <a:spLocks noGrp="1"/>
+          </p:cNvSpPr>
+          <p:nvPr>
+            <p:ph type="sldNum" sz="quarter" idx="5"/>
+          </p:nvPr>
+        </p:nvSpPr>
+        <p:spPr/>
+        <p:txBody>
+          <a:bodyPr/>
+          <a:lstStyle/>
+          <a:p>
+            <a:fld id="{27DEF642-877A-3748-9CD7-D82B07A9C9C9}" type="slidenum">
+              <a:rPr lang="en-US" smtClean="0"/>
+              <a:t>12</a:t>
+            </a:fld>
+            <a:endParaRPr lang="en-US"/>
+          </a:p>
+        </p:txBody>
+      </p:sp>
+    </p:spTree>
+    <p:extLst>
+      <p:ext uri="{BB962C8B-B14F-4D97-AF65-F5344CB8AC3E}">
+        <p14:creationId xmlns:p14="http://schemas.microsoft.com/office/powerpoint/2010/main" val="2327396411"/>
+      </p:ext>
+    </p:extLst>
+  </p:cSld>
+  <p:clrMapOvr>
+    <a:masterClrMapping/>
+  </p:clrMapOvr>
+</p:notes>
+</file>
+
+<file path=ppt/notesSlides/notesSlide13.xml><?xml version="1.0" encoding="utf-8"?>
+<p:notes xmlns:a="http://schemas.openxmlformats.org/drawingml/2006/main" xmlns:r="http://schemas.openxmlformats.org/officeDocument/2006/relationships" xmlns:p="http://schemas.openxmlformats.org/presentationml/2006/main">
+  <p:cSld>
+    <p:spTree>
+      <p:nvGrpSpPr>
+        <p:cNvPr id="1" name=""/>
+        <p:cNvGrpSpPr/>
+        <p:nvPr/>
+      </p:nvGrpSpPr>
+      <p:grpSpPr>
+        <a:xfrm>
+          <a:off x="0" y="0"/>
+          <a:ext cx="0" cy="0"/>
+          <a:chOff x="0" y="0"/>
+          <a:chExt cx="0" cy="0"/>
+        </a:xfrm>
+      </p:grpSpPr>
+      <p:sp>
+        <p:nvSpPr>
+          <p:cNvPr id="2" name="Slide Image Placeholder 1"/>
+          <p:cNvSpPr>
+            <a:spLocks noGrp="1" noRot="1" noChangeAspect="1"/>
+          </p:cNvSpPr>
+          <p:nvPr>
+            <p:ph type="sldImg"/>
+          </p:nvPr>
+        </p:nvSpPr>
+        <p:spPr/>
+      </p:sp>
+      <p:sp>
+        <p:nvSpPr>
+          <p:cNvPr id="3" name="Notes Placeholder 2"/>
+          <p:cNvSpPr>
+            <a:spLocks noGrp="1"/>
+          </p:cNvSpPr>
+          <p:nvPr>
+            <p:ph type="body" idx="1"/>
+          </p:nvPr>
+        </p:nvSpPr>
+        <p:spPr/>
+        <p:txBody>
+          <a:bodyPr/>
+          <a:lstStyle/>
+          <a:p>
+            <a:pPr marL="0" marR="0" lvl="0" indent="0" algn="l" defTabSz="914400" rtl="0" eaLnBrk="1" fontAlgn="auto" latinLnBrk="0" hangingPunct="1">
+              <a:lnSpc>
+                <a:spcPct val="100000"/>
+              </a:lnSpc>
+              <a:spcBef>
+                <a:spcPts val="0"/>
+              </a:spcBef>
+              <a:spcAft>
+                <a:spcPts val="0"/>
+              </a:spcAft>
+              <a:buClrTx/>
+              <a:buSzTx/>
+              <a:buFontTx/>
+              <a:buNone/>
+              <a:tabLst/>
+              <a:defRPr/>
+            </a:pPr>
+            <a:r>
+              <a:rPr lang="en-US" dirty="0"/>
+              <a:t>A neural network can’t directly take text as input, and so we need to transform the word into a numerical representation. </a:t>
+            </a:r>
+          </a:p>
+          <a:p>
+            <a:pPr marL="0" marR="0" lvl="0" indent="0" algn="l" defTabSz="914400" rtl="0" eaLnBrk="1" fontAlgn="auto" latinLnBrk="0" hangingPunct="1">
+              <a:lnSpc>
+                <a:spcPct val="100000"/>
+              </a:lnSpc>
+              <a:spcBef>
+                <a:spcPts val="0"/>
+              </a:spcBef>
+              <a:spcAft>
+                <a:spcPts val="0"/>
+              </a:spcAft>
+              <a:buClrTx/>
+              <a:buSzTx/>
+              <a:buFontTx/>
+              <a:buNone/>
+              <a:tabLst/>
+              <a:defRPr/>
+            </a:pPr>
+            <a:endParaRPr lang="en-US" dirty="0"/>
+          </a:p>
+          <a:p>
+            <a:pPr marL="0" marR="0" lvl="0" indent="0" algn="l" defTabSz="914400" rtl="0" eaLnBrk="1" fontAlgn="auto" latinLnBrk="0" hangingPunct="1">
+              <a:lnSpc>
+                <a:spcPct val="100000"/>
+              </a:lnSpc>
+              <a:spcBef>
+                <a:spcPts val="0"/>
+              </a:spcBef>
+              <a:spcAft>
+                <a:spcPts val="0"/>
+              </a:spcAft>
+              <a:buClrTx/>
+              <a:buSzTx/>
+              <a:buFontTx/>
+              <a:buNone/>
+              <a:tabLst/>
+              <a:defRPr/>
+            </a:pPr>
+            <a:r>
+              <a:rPr lang="en-US" dirty="0"/>
+              <a:t>So like before with Bag of Words, we need to build a one-hot vector of all the words found in the vocabulary. Lets assume our vocabulary has 10,000 unique words.</a:t>
+            </a:r>
+          </a:p>
+          <a:p>
+            <a:pPr marL="0" marR="0" lvl="0" indent="0" algn="l" defTabSz="914400" rtl="0" eaLnBrk="1" fontAlgn="auto" latinLnBrk="0" hangingPunct="1">
+              <a:lnSpc>
+                <a:spcPct val="100000"/>
+              </a:lnSpc>
+              <a:spcBef>
+                <a:spcPts val="0"/>
+              </a:spcBef>
+              <a:spcAft>
+                <a:spcPts val="0"/>
+              </a:spcAft>
+              <a:buClrTx/>
+              <a:buSzTx/>
+              <a:buFontTx/>
+              <a:buNone/>
+              <a:tabLst/>
+              <a:defRPr/>
+            </a:pPr>
+            <a:endParaRPr lang="en-US" dirty="0"/>
+          </a:p>
+          <a:p>
+            <a:pPr marL="0" marR="0" lvl="0" indent="0" algn="l" defTabSz="914400" rtl="0" eaLnBrk="1" fontAlgn="auto" latinLnBrk="0" hangingPunct="1">
+              <a:lnSpc>
+                <a:spcPct val="100000"/>
+              </a:lnSpc>
+              <a:spcBef>
+                <a:spcPts val="0"/>
+              </a:spcBef>
+              <a:spcAft>
+                <a:spcPts val="0"/>
+              </a:spcAft>
+              <a:buClrTx/>
+              <a:buSzTx/>
+              <a:buFontTx/>
+              <a:buNone/>
+              <a:tabLst/>
+              <a:defRPr/>
+            </a:pPr>
+            <a:r>
+              <a:rPr lang="en-US" dirty="0"/>
+              <a:t>The one-hot vector will then have 10,000 components, one fore each word. The input will have all of these components be zero except for the word we are representing.</a:t>
+            </a:r>
+          </a:p>
+          <a:p>
+            <a:pPr marL="0" marR="0" lvl="0" indent="0" algn="l" defTabSz="914400" rtl="0" eaLnBrk="1" fontAlgn="auto" latinLnBrk="0" hangingPunct="1">
+              <a:lnSpc>
+                <a:spcPct val="100000"/>
+              </a:lnSpc>
+              <a:spcBef>
+                <a:spcPts val="0"/>
+              </a:spcBef>
+              <a:spcAft>
+                <a:spcPts val="0"/>
+              </a:spcAft>
+              <a:buClrTx/>
+              <a:buSzTx/>
+              <a:buFontTx/>
+              <a:buNone/>
+              <a:tabLst/>
+              <a:defRPr/>
+            </a:pPr>
+            <a:endParaRPr lang="en-US" dirty="0"/>
+          </a:p>
+          <a:p>
+            <a:pPr marL="0" marR="0" lvl="0" indent="0" algn="l" defTabSz="914400" rtl="0" eaLnBrk="1" fontAlgn="auto" latinLnBrk="0" hangingPunct="1">
+              <a:lnSpc>
+                <a:spcPct val="100000"/>
+              </a:lnSpc>
+              <a:spcBef>
+                <a:spcPts val="0"/>
+              </a:spcBef>
+              <a:spcAft>
+                <a:spcPts val="0"/>
+              </a:spcAft>
+              <a:buClrTx/>
+              <a:buSzTx/>
+              <a:buFontTx/>
+              <a:buNone/>
+              <a:tabLst/>
+              <a:defRPr/>
+            </a:pPr>
+            <a:r>
+              <a:rPr lang="en-US" dirty="0"/>
+              <a:t>The output of this network should also be a vector the size of the vocabulary. Here, the values will instead be the probably that each of the vocabulary words would be found near the input word.</a:t>
+            </a:r>
+          </a:p>
+        </p:txBody>
+      </p:sp>
+      <p:sp>
+        <p:nvSpPr>
+          <p:cNvPr id="4" name="Slide Number Placeholder 3"/>
+          <p:cNvSpPr>
+            <a:spLocks noGrp="1"/>
+          </p:cNvSpPr>
+          <p:nvPr>
+            <p:ph type="sldNum" sz="quarter" idx="5"/>
+          </p:nvPr>
+        </p:nvSpPr>
+        <p:spPr/>
+        <p:txBody>
+          <a:bodyPr/>
+          <a:lstStyle/>
+          <a:p>
+            <a:fld id="{27DEF642-877A-3748-9CD7-D82B07A9C9C9}" type="slidenum">
+              <a:rPr lang="en-US" smtClean="0"/>
+              <a:t>13</a:t>
+            </a:fld>
+            <a:endParaRPr lang="en-US"/>
+          </a:p>
+        </p:txBody>
+      </p:sp>
+    </p:spTree>
+    <p:extLst>
+      <p:ext uri="{BB962C8B-B14F-4D97-AF65-F5344CB8AC3E}">
+        <p14:creationId xmlns:p14="http://schemas.microsoft.com/office/powerpoint/2010/main" val="1257341868"/>
+      </p:ext>
+    </p:extLst>
+  </p:cSld>
+  <p:clrMapOvr>
+    <a:masterClrMapping/>
+  </p:clrMapOvr>
+</p:notes>
+</file>
+
+<file path=ppt/notesSlides/notesSlide14.xml><?xml version="1.0" encoding="utf-8"?>
+<p:notes xmlns:a="http://schemas.openxmlformats.org/drawingml/2006/main" xmlns:r="http://schemas.openxmlformats.org/officeDocument/2006/relationships" xmlns:p="http://schemas.openxmlformats.org/presentationml/2006/main">
+  <p:cSld>
+    <p:spTree>
+      <p:nvGrpSpPr>
+        <p:cNvPr id="1" name=""/>
+        <p:cNvGrpSpPr/>
+        <p:nvPr/>
+      </p:nvGrpSpPr>
+      <p:grpSpPr>
+        <a:xfrm>
+          <a:off x="0" y="0"/>
+          <a:ext cx="0" cy="0"/>
+          <a:chOff x="0" y="0"/>
+          <a:chExt cx="0" cy="0"/>
+        </a:xfrm>
+      </p:grpSpPr>
+      <p:sp>
+        <p:nvSpPr>
+          <p:cNvPr id="2" name="Slide Image Placeholder 1"/>
+          <p:cNvSpPr>
+            <a:spLocks noGrp="1" noRot="1" noChangeAspect="1"/>
+          </p:cNvSpPr>
+          <p:nvPr>
+            <p:ph type="sldImg"/>
+          </p:nvPr>
+        </p:nvSpPr>
+        <p:spPr/>
+      </p:sp>
+      <p:sp>
+        <p:nvSpPr>
+          <p:cNvPr id="3" name="Notes Placeholder 2"/>
+          <p:cNvSpPr>
+            <a:spLocks noGrp="1"/>
+          </p:cNvSpPr>
+          <p:nvPr>
+            <p:ph type="body" idx="1"/>
+          </p:nvPr>
+        </p:nvSpPr>
+        <p:spPr/>
+        <p:txBody>
+          <a:bodyPr/>
+          <a:lstStyle/>
+          <a:p>
+            <a:r>
+              <a:rPr lang="en-US" dirty="0"/>
+              <a:t>Here’s a visualization of the network.</a:t>
+            </a:r>
+          </a:p>
+          <a:p>
+            <a:endParaRPr lang="en-US" dirty="0"/>
+          </a:p>
+          <a:p>
+            <a:r>
+              <a:rPr lang="en-US" dirty="0"/>
+              <a:t>The input vector is one-hot encoded to represent our center word.</a:t>
+            </a:r>
+          </a:p>
+          <a:p>
+            <a:endParaRPr lang="en-US" dirty="0"/>
+          </a:p>
+          <a:p>
+            <a:r>
+              <a:rPr lang="en-US" dirty="0"/>
+              <a:t>The hidden layer contains only 300 neurons, before expanding again into the </a:t>
+            </a:r>
+            <a:r>
+              <a:rPr lang="en-US" dirty="0" err="1"/>
+              <a:t>softmax</a:t>
+            </a:r>
+            <a:r>
+              <a:rPr lang="en-US" dirty="0"/>
+              <a:t> classifier output. </a:t>
+            </a:r>
+          </a:p>
+          <a:p>
+            <a:endParaRPr lang="en-US" dirty="0"/>
+          </a:p>
+          <a:p>
+            <a:r>
+              <a:rPr lang="en-US" dirty="0"/>
+              <a:t>A </a:t>
+            </a:r>
+            <a:r>
+              <a:rPr lang="en-US" dirty="0" err="1"/>
+              <a:t>softmax</a:t>
+            </a:r>
+            <a:r>
+              <a:rPr lang="en-US" dirty="0"/>
+              <a:t> layer in neural networks converts raw scores from the previous layer into probabilities, ensuring they sum to one,.</a:t>
+            </a:r>
+          </a:p>
+          <a:p>
+            <a:endParaRPr lang="en-US" dirty="0"/>
+          </a:p>
+          <a:p>
+            <a:r>
+              <a:rPr lang="en-US" dirty="0"/>
+              <a:t>Effectively, this computes the probably of a given word appearing nearby to the input word.</a:t>
+            </a:r>
+          </a:p>
+        </p:txBody>
+      </p:sp>
+      <p:sp>
+        <p:nvSpPr>
+          <p:cNvPr id="4" name="Slide Number Placeholder 3"/>
+          <p:cNvSpPr>
+            <a:spLocks noGrp="1"/>
+          </p:cNvSpPr>
+          <p:nvPr>
+            <p:ph type="sldNum" sz="quarter" idx="5"/>
+          </p:nvPr>
+        </p:nvSpPr>
+        <p:spPr/>
+        <p:txBody>
+          <a:bodyPr/>
+          <a:lstStyle/>
+          <a:p>
+            <a:fld id="{27DEF642-877A-3748-9CD7-D82B07A9C9C9}" type="slidenum">
+              <a:rPr lang="en-US" smtClean="0"/>
+              <a:t>14</a:t>
+            </a:fld>
+            <a:endParaRPr lang="en-US"/>
+          </a:p>
+        </p:txBody>
+      </p:sp>
+    </p:spTree>
+    <p:extLst>
+      <p:ext uri="{BB962C8B-B14F-4D97-AF65-F5344CB8AC3E}">
+        <p14:creationId xmlns:p14="http://schemas.microsoft.com/office/powerpoint/2010/main" val="3549472014"/>
+      </p:ext>
+    </p:extLst>
+  </p:cSld>
+  <p:clrMapOvr>
+    <a:masterClrMapping/>
+  </p:clrMapOvr>
+</p:notes>
+</file>
+
+<file path=ppt/notesSlides/notesSlide15.xml><?xml version="1.0" encoding="utf-8"?>
+<p:notes xmlns:a="http://schemas.openxmlformats.org/drawingml/2006/main" xmlns:r="http://schemas.openxmlformats.org/officeDocument/2006/relationships" xmlns:p="http://schemas.openxmlformats.org/presentationml/2006/main">
+  <p:cSld>
+    <p:spTree>
+      <p:nvGrpSpPr>
+        <p:cNvPr id="1" name=""/>
+        <p:cNvGrpSpPr/>
+        <p:nvPr/>
+      </p:nvGrpSpPr>
+      <p:grpSpPr>
+        <a:xfrm>
+          <a:off x="0" y="0"/>
+          <a:ext cx="0" cy="0"/>
+          <a:chOff x="0" y="0"/>
+          <a:chExt cx="0" cy="0"/>
+        </a:xfrm>
+      </p:grpSpPr>
+      <p:sp>
+        <p:nvSpPr>
+          <p:cNvPr id="2" name="Slide Image Placeholder 1"/>
+          <p:cNvSpPr>
+            <a:spLocks noGrp="1" noRot="1" noChangeAspect="1"/>
+          </p:cNvSpPr>
+          <p:nvPr>
+            <p:ph type="sldImg"/>
+          </p:nvPr>
+        </p:nvSpPr>
+        <p:spPr/>
+      </p:sp>
+      <p:sp>
+        <p:nvSpPr>
+          <p:cNvPr id="3" name="Notes Placeholder 2"/>
+          <p:cNvSpPr>
+            <a:spLocks noGrp="1"/>
+          </p:cNvSpPr>
+          <p:nvPr>
+            <p:ph type="body" idx="1"/>
+          </p:nvPr>
+        </p:nvSpPr>
+        <p:spPr/>
+        <p:txBody>
+          <a:bodyPr/>
+          <a:lstStyle/>
+          <a:p>
+            <a:r>
+              <a:rPr lang="en-US" dirty="0"/>
+              <a:t>Given all of the word pairs in the training example, the model adjusts the weights of the hidden layer to correctly assign the context word high probability.</a:t>
+            </a:r>
+          </a:p>
+          <a:p>
+            <a:endParaRPr lang="en-US" dirty="0"/>
+          </a:p>
+          <a:p>
+            <a:r>
+              <a:rPr lang="en-US" dirty="0"/>
+              <a:t>Let’s look more closely at the hidden layer.</a:t>
+            </a:r>
+          </a:p>
+        </p:txBody>
+      </p:sp>
+      <p:sp>
+        <p:nvSpPr>
+          <p:cNvPr id="4" name="Slide Number Placeholder 3"/>
+          <p:cNvSpPr>
+            <a:spLocks noGrp="1"/>
+          </p:cNvSpPr>
+          <p:nvPr>
+            <p:ph type="sldNum" sz="quarter" idx="5"/>
+          </p:nvPr>
+        </p:nvSpPr>
+        <p:spPr/>
+        <p:txBody>
+          <a:bodyPr/>
+          <a:lstStyle/>
+          <a:p>
+            <a:fld id="{27DEF642-877A-3748-9CD7-D82B07A9C9C9}" type="slidenum">
+              <a:rPr lang="en-US" smtClean="0"/>
+              <a:t>15</a:t>
+            </a:fld>
+            <a:endParaRPr lang="en-US"/>
+          </a:p>
+        </p:txBody>
+      </p:sp>
+    </p:spTree>
+    <p:extLst>
+      <p:ext uri="{BB962C8B-B14F-4D97-AF65-F5344CB8AC3E}">
+        <p14:creationId xmlns:p14="http://schemas.microsoft.com/office/powerpoint/2010/main" val="2757622276"/>
+      </p:ext>
+    </p:extLst>
+  </p:cSld>
+  <p:clrMapOvr>
+    <a:masterClrMapping/>
+  </p:clrMapOvr>
+</p:notes>
+</file>
+
+<file path=ppt/notesSlides/notesSlide16.xml><?xml version="1.0" encoding="utf-8"?>
+<p:notes xmlns:a="http://schemas.openxmlformats.org/drawingml/2006/main" xmlns:r="http://schemas.openxmlformats.org/officeDocument/2006/relationships" xmlns:p="http://schemas.openxmlformats.org/presentationml/2006/main">
+  <p:cSld>
+    <p:spTree>
+      <p:nvGrpSpPr>
+        <p:cNvPr id="1" name=""/>
+        <p:cNvGrpSpPr/>
+        <p:nvPr/>
+      </p:nvGrpSpPr>
+      <p:grpSpPr>
+        <a:xfrm>
+          <a:off x="0" y="0"/>
+          <a:ext cx="0" cy="0"/>
+          <a:chOff x="0" y="0"/>
+          <a:chExt cx="0" cy="0"/>
+        </a:xfrm>
+      </p:grpSpPr>
+      <p:sp>
+        <p:nvSpPr>
+          <p:cNvPr id="2" name="Slide Image Placeholder 1"/>
+          <p:cNvSpPr>
+            <a:spLocks noGrp="1" noRot="1" noChangeAspect="1"/>
+          </p:cNvSpPr>
+          <p:nvPr>
+            <p:ph type="sldImg"/>
+          </p:nvPr>
+        </p:nvSpPr>
+        <p:spPr/>
+      </p:sp>
+      <p:sp>
+        <p:nvSpPr>
+          <p:cNvPr id="3" name="Notes Placeholder 2"/>
+          <p:cNvSpPr>
+            <a:spLocks noGrp="1"/>
+          </p:cNvSpPr>
+          <p:nvPr>
+            <p:ph type="body" idx="1"/>
+          </p:nvPr>
+        </p:nvSpPr>
+        <p:spPr/>
+        <p:txBody>
+          <a:bodyPr/>
+          <a:lstStyle/>
+          <a:p>
+            <a:r>
+              <a:rPr lang="en-US" dirty="0"/>
+              <a:t>In this case, the hidden layer has 300 neurons.</a:t>
+            </a:r>
+          </a:p>
+          <a:p>
+            <a:endParaRPr lang="en-US" dirty="0"/>
+          </a:p>
+          <a:p>
+            <a:r>
+              <a:rPr lang="en-US" dirty="0"/>
+              <a:t>This corresponds to learning a word vector that has 300 dimensions. </a:t>
+            </a:r>
+          </a:p>
+          <a:p>
+            <a:endParaRPr lang="en-US" dirty="0"/>
+          </a:p>
+          <a:p>
+            <a:r>
+              <a:rPr lang="en-US" dirty="0"/>
+              <a:t>Each neuron in the hidden layer is connected to each word of the vocabulary in the input vector through a set of weights.</a:t>
+            </a:r>
+          </a:p>
+          <a:p>
+            <a:endParaRPr lang="en-US" dirty="0"/>
+          </a:p>
+          <a:p>
+            <a:r>
+              <a:rPr lang="en-US" dirty="0"/>
+              <a:t>For our 10,000 word vocabulary, each neuron has 10,000 associated weights.</a:t>
+            </a:r>
+          </a:p>
+          <a:p>
+            <a:endParaRPr lang="en-US" dirty="0"/>
+          </a:p>
+          <a:p>
+            <a:r>
+              <a:rPr lang="en-US" dirty="0"/>
+              <a:t>Note, the 300 features in the word vectors is a “hyper parameter” that can be adjusted.</a:t>
+            </a:r>
+          </a:p>
+        </p:txBody>
+      </p:sp>
+      <p:sp>
+        <p:nvSpPr>
+          <p:cNvPr id="4" name="Slide Number Placeholder 3"/>
+          <p:cNvSpPr>
+            <a:spLocks noGrp="1"/>
+          </p:cNvSpPr>
+          <p:nvPr>
+            <p:ph type="sldNum" sz="quarter" idx="5"/>
+          </p:nvPr>
+        </p:nvSpPr>
+        <p:spPr/>
+        <p:txBody>
+          <a:bodyPr/>
+          <a:lstStyle/>
+          <a:p>
+            <a:fld id="{27DEF642-877A-3748-9CD7-D82B07A9C9C9}" type="slidenum">
+              <a:rPr lang="en-US" smtClean="0"/>
+              <a:t>16</a:t>
+            </a:fld>
+            <a:endParaRPr lang="en-US"/>
+          </a:p>
+        </p:txBody>
+      </p:sp>
+    </p:spTree>
+    <p:extLst>
+      <p:ext uri="{BB962C8B-B14F-4D97-AF65-F5344CB8AC3E}">
+        <p14:creationId xmlns:p14="http://schemas.microsoft.com/office/powerpoint/2010/main" val="1602814867"/>
+      </p:ext>
+    </p:extLst>
+  </p:cSld>
+  <p:clrMapOvr>
+    <a:masterClrMapping/>
+  </p:clrMapOvr>
+</p:notes>
+</file>
+
+<file path=ppt/notesSlides/notesSlide17.xml><?xml version="1.0" encoding="utf-8"?>
+<p:notes xmlns:a="http://schemas.openxmlformats.org/drawingml/2006/main" xmlns:r="http://schemas.openxmlformats.org/officeDocument/2006/relationships" xmlns:p="http://schemas.openxmlformats.org/presentationml/2006/main">
+  <p:cSld>
+    <p:spTree>
+      <p:nvGrpSpPr>
+        <p:cNvPr id="1" name=""/>
+        <p:cNvGrpSpPr/>
+        <p:nvPr/>
+      </p:nvGrpSpPr>
+      <p:grpSpPr>
+        <a:xfrm>
+          <a:off x="0" y="0"/>
+          <a:ext cx="0" cy="0"/>
+          <a:chOff x="0" y="0"/>
+          <a:chExt cx="0" cy="0"/>
+        </a:xfrm>
+      </p:grpSpPr>
+      <p:sp>
+        <p:nvSpPr>
+          <p:cNvPr id="2" name="Slide Image Placeholder 1"/>
+          <p:cNvSpPr>
+            <a:spLocks noGrp="1" noRot="1" noChangeAspect="1"/>
+          </p:cNvSpPr>
+          <p:nvPr>
+            <p:ph type="sldImg"/>
+          </p:nvPr>
+        </p:nvSpPr>
+        <p:spPr/>
+      </p:sp>
+      <p:sp>
+        <p:nvSpPr>
+          <p:cNvPr id="3" name="Notes Placeholder 2"/>
+          <p:cNvSpPr>
+            <a:spLocks noGrp="1"/>
+          </p:cNvSpPr>
+          <p:nvPr>
+            <p:ph type="body" idx="1"/>
+          </p:nvPr>
+        </p:nvSpPr>
+        <p:spPr/>
+        <p:txBody>
+          <a:bodyPr/>
+          <a:lstStyle/>
+          <a:p>
+            <a:r>
+              <a:rPr lang="en-US" dirty="0"/>
+              <a:t>Here is a visual representation of the weights that connect the vocabulary to the neurons. </a:t>
+            </a:r>
+          </a:p>
+          <a:p>
+            <a:endParaRPr lang="en-US" dirty="0"/>
+          </a:p>
+          <a:p>
+            <a:r>
+              <a:rPr lang="en-US" dirty="0"/>
+              <a:t>In the orange representation, each neuron is a column of 10,000 learned weights. </a:t>
+            </a:r>
+          </a:p>
+          <a:p>
+            <a:endParaRPr lang="en-US" dirty="0"/>
+          </a:p>
+          <a:p>
+            <a:r>
+              <a:rPr lang="en-US" dirty="0"/>
+              <a:t>Another way to represent this data is to consider the weights that connect a single word to each neuron as its unique set of features.</a:t>
+            </a:r>
+          </a:p>
+          <a:p>
+            <a:endParaRPr lang="en-US" dirty="0"/>
+          </a:p>
+          <a:p>
+            <a:r>
+              <a:rPr lang="en-US" dirty="0"/>
+              <a:t>The rows of this weight matrix our the word embeddings!</a:t>
+            </a:r>
+          </a:p>
+        </p:txBody>
+      </p:sp>
+      <p:sp>
+        <p:nvSpPr>
+          <p:cNvPr id="4" name="Slide Number Placeholder 3"/>
+          <p:cNvSpPr>
+            <a:spLocks noGrp="1"/>
+          </p:cNvSpPr>
+          <p:nvPr>
+            <p:ph type="sldNum" sz="quarter" idx="5"/>
+          </p:nvPr>
+        </p:nvSpPr>
+        <p:spPr/>
+        <p:txBody>
+          <a:bodyPr/>
+          <a:lstStyle/>
+          <a:p>
+            <a:fld id="{27DEF642-877A-3748-9CD7-D82B07A9C9C9}" type="slidenum">
+              <a:rPr lang="en-US" smtClean="0"/>
+              <a:t>17</a:t>
+            </a:fld>
+            <a:endParaRPr lang="en-US"/>
+          </a:p>
+        </p:txBody>
+      </p:sp>
+    </p:spTree>
+    <p:extLst>
+      <p:ext uri="{BB962C8B-B14F-4D97-AF65-F5344CB8AC3E}">
+        <p14:creationId xmlns:p14="http://schemas.microsoft.com/office/powerpoint/2010/main" val="1298734116"/>
+      </p:ext>
+    </p:extLst>
+  </p:cSld>
+  <p:clrMapOvr>
+    <a:masterClrMapping/>
+  </p:clrMapOvr>
+</p:notes>
+</file>
+
+<file path=ppt/notesSlides/notesSlide18.xml><?xml version="1.0" encoding="utf-8"?>
+<p:notes xmlns:a="http://schemas.openxmlformats.org/drawingml/2006/main" xmlns:r="http://schemas.openxmlformats.org/officeDocument/2006/relationships" xmlns:p="http://schemas.openxmlformats.org/presentationml/2006/main">
+  <p:cSld>
+    <p:spTree>
+      <p:nvGrpSpPr>
+        <p:cNvPr id="1" name=""/>
+        <p:cNvGrpSpPr/>
+        <p:nvPr/>
+      </p:nvGrpSpPr>
+      <p:grpSpPr>
+        <a:xfrm>
+          <a:off x="0" y="0"/>
+          <a:ext cx="0" cy="0"/>
+          <a:chOff x="0" y="0"/>
+          <a:chExt cx="0" cy="0"/>
+        </a:xfrm>
+      </p:grpSpPr>
+      <p:sp>
+        <p:nvSpPr>
+          <p:cNvPr id="2" name="Slide Image Placeholder 1"/>
+          <p:cNvSpPr>
+            <a:spLocks noGrp="1" noRot="1" noChangeAspect="1"/>
+          </p:cNvSpPr>
+          <p:nvPr>
+            <p:ph type="sldImg"/>
+          </p:nvPr>
+        </p:nvSpPr>
+        <p:spPr/>
+      </p:sp>
+      <p:sp>
+        <p:nvSpPr>
+          <p:cNvPr id="3" name="Notes Placeholder 2"/>
+          <p:cNvSpPr>
+            <a:spLocks noGrp="1"/>
+          </p:cNvSpPr>
+          <p:nvPr>
+            <p:ph type="body" idx="1"/>
+          </p:nvPr>
+        </p:nvSpPr>
+        <p:spPr/>
+        <p:txBody>
+          <a:bodyPr/>
+          <a:lstStyle/>
+          <a:p>
+            <a:r>
+              <a:rPr lang="en-US" dirty="0"/>
+              <a:t>So if 2 words have similar meanings and contexts, we expect the model to output similar results.</a:t>
+            </a:r>
+          </a:p>
+          <a:p>
+            <a:endParaRPr lang="en-US" dirty="0"/>
+          </a:p>
+          <a:p>
+            <a:r>
+              <a:rPr lang="en-US" dirty="0"/>
+              <a:t>For example, the words “lung” and “pancreas” are similar in that they both are organs in the body, and are associated with metastatic cancer.</a:t>
+            </a:r>
+          </a:p>
+          <a:p>
+            <a:endParaRPr lang="en-US" dirty="0"/>
+          </a:p>
+          <a:p>
+            <a:r>
+              <a:rPr lang="en-US" dirty="0"/>
+              <a:t>They would then appear in similar ways in text, and thus should have a similar embedding. </a:t>
+            </a:r>
+          </a:p>
+          <a:p>
+            <a:endParaRPr lang="en-US" dirty="0"/>
+          </a:p>
+          <a:p>
+            <a:r>
+              <a:rPr lang="en-US" dirty="0"/>
+              <a:t>That is, the model should process the word “lung” and “pancreas” in the same way, meaning they would have similar weights in the network. </a:t>
+            </a:r>
+          </a:p>
+        </p:txBody>
+      </p:sp>
+      <p:sp>
+        <p:nvSpPr>
+          <p:cNvPr id="4" name="Slide Number Placeholder 3"/>
+          <p:cNvSpPr>
+            <a:spLocks noGrp="1"/>
+          </p:cNvSpPr>
+          <p:nvPr>
+            <p:ph type="sldNum" sz="quarter" idx="5"/>
+          </p:nvPr>
+        </p:nvSpPr>
+        <p:spPr/>
+        <p:txBody>
+          <a:bodyPr/>
+          <a:lstStyle/>
+          <a:p>
+            <a:fld id="{27DEF642-877A-3748-9CD7-D82B07A9C9C9}" type="slidenum">
+              <a:rPr lang="en-US" smtClean="0"/>
+              <a:t>18</a:t>
+            </a:fld>
+            <a:endParaRPr lang="en-US"/>
+          </a:p>
+        </p:txBody>
+      </p:sp>
+    </p:spTree>
+    <p:extLst>
+      <p:ext uri="{BB962C8B-B14F-4D97-AF65-F5344CB8AC3E}">
+        <p14:creationId xmlns:p14="http://schemas.microsoft.com/office/powerpoint/2010/main" val="2503519902"/>
+      </p:ext>
+    </p:extLst>
+  </p:cSld>
+  <p:clrMapOvr>
+    <a:masterClrMapping/>
+  </p:clrMapOvr>
+</p:notes>
+</file>
+
+<file path=ppt/notesSlides/notesSlide19.xml><?xml version="1.0" encoding="utf-8"?>
+<p:notes xmlns:a="http://schemas.openxmlformats.org/drawingml/2006/main" xmlns:r="http://schemas.openxmlformats.org/officeDocument/2006/relationships" xmlns:p="http://schemas.openxmlformats.org/presentationml/2006/main">
+  <p:cSld>
+    <p:spTree>
+      <p:nvGrpSpPr>
+        <p:cNvPr id="1" name=""/>
+        <p:cNvGrpSpPr/>
+        <p:nvPr/>
+      </p:nvGrpSpPr>
+      <p:grpSpPr>
+        <a:xfrm>
+          <a:off x="0" y="0"/>
+          <a:ext cx="0" cy="0"/>
+          <a:chOff x="0" y="0"/>
+          <a:chExt cx="0" cy="0"/>
+        </a:xfrm>
+      </p:grpSpPr>
+      <p:sp>
+        <p:nvSpPr>
+          <p:cNvPr id="2" name="Slide Image Placeholder 1"/>
+          <p:cNvSpPr>
+            <a:spLocks noGrp="1" noRot="1" noChangeAspect="1"/>
+          </p:cNvSpPr>
+          <p:nvPr>
+            <p:ph type="sldImg"/>
+          </p:nvPr>
+        </p:nvSpPr>
+        <p:spPr/>
+      </p:sp>
+      <p:sp>
+        <p:nvSpPr>
+          <p:cNvPr id="3" name="Notes Placeholder 2"/>
+          <p:cNvSpPr>
+            <a:spLocks noGrp="1"/>
+          </p:cNvSpPr>
+          <p:nvPr>
+            <p:ph type="body" idx="1"/>
+          </p:nvPr>
+        </p:nvSpPr>
+        <p:spPr/>
+        <p:txBody>
+          <a:bodyPr/>
+          <a:lstStyle/>
+          <a:p>
+            <a:r>
+              <a:rPr lang="en-US" dirty="0"/>
+              <a:t>We can see this relationship when we project the high dimensional word embeddings onto a 2D plot.</a:t>
+            </a:r>
+          </a:p>
+          <a:p>
+            <a:endParaRPr lang="en-US" dirty="0"/>
+          </a:p>
+          <a:p>
+            <a:r>
+              <a:rPr lang="en-US" dirty="0"/>
+              <a:t>This provides a way to visualize the similarity between two word embeddings, and demonstrates that words with similar context have similar input vectors.</a:t>
+            </a:r>
+          </a:p>
+          <a:p>
+            <a:endParaRPr lang="en-US" dirty="0"/>
+          </a:p>
+          <a:p>
+            <a:r>
+              <a:rPr lang="en-US" dirty="0"/>
+              <a:t>Works likely to have “city” as a nearby word are grouped together in red, while words that have “feeling” as a nearby word are grouped together. </a:t>
+            </a:r>
+          </a:p>
+        </p:txBody>
+      </p:sp>
+      <p:sp>
+        <p:nvSpPr>
+          <p:cNvPr id="4" name="Slide Number Placeholder 3"/>
+          <p:cNvSpPr>
+            <a:spLocks noGrp="1"/>
+          </p:cNvSpPr>
+          <p:nvPr>
+            <p:ph type="sldNum" sz="quarter" idx="5"/>
+          </p:nvPr>
+        </p:nvSpPr>
+        <p:spPr/>
+        <p:txBody>
+          <a:bodyPr/>
+          <a:lstStyle/>
+          <a:p>
+            <a:fld id="{27DEF642-877A-3748-9CD7-D82B07A9C9C9}" type="slidenum">
+              <a:rPr lang="en-US" smtClean="0"/>
+              <a:t>19</a:t>
+            </a:fld>
+            <a:endParaRPr lang="en-US"/>
+          </a:p>
+        </p:txBody>
+      </p:sp>
+    </p:spTree>
+    <p:extLst>
+      <p:ext uri="{BB962C8B-B14F-4D97-AF65-F5344CB8AC3E}">
+        <p14:creationId xmlns:p14="http://schemas.microsoft.com/office/powerpoint/2010/main" val="3362959226"/>
+      </p:ext>
+    </p:extLst>
+  </p:cSld>
+  <p:clrMapOvr>
+    <a:masterClrMapping/>
+  </p:clrMapOvr>
+</p:notes>
+</file>
+
 <file path=ppt/notesSlides/notesSlide2.xml><?xml version="1.0" encoding="utf-8"?>
 <p:notes xmlns:a="http://schemas.openxmlformats.org/drawingml/2006/main" xmlns:r="http://schemas.openxmlformats.org/officeDocument/2006/relationships" xmlns:p="http://schemas.openxmlformats.org/presentationml/2006/main">
   <p:cSld>
@@ -647,6 +1883,849 @@
     <p:extLst>
       <p:ext uri="{BB962C8B-B14F-4D97-AF65-F5344CB8AC3E}">
         <p14:creationId xmlns:p14="http://schemas.microsoft.com/office/powerpoint/2010/main" val="3662469354"/>
+      </p:ext>
+    </p:extLst>
+  </p:cSld>
+  <p:clrMapOvr>
+    <a:masterClrMapping/>
+  </p:clrMapOvr>
+</p:notes>
+</file>
+
+<file path=ppt/notesSlides/notesSlide3.xml><?xml version="1.0" encoding="utf-8"?>
+<p:notes xmlns:a="http://schemas.openxmlformats.org/drawingml/2006/main" xmlns:r="http://schemas.openxmlformats.org/officeDocument/2006/relationships" xmlns:p="http://schemas.openxmlformats.org/presentationml/2006/main">
+  <p:cSld>
+    <p:spTree>
+      <p:nvGrpSpPr>
+        <p:cNvPr id="1" name=""/>
+        <p:cNvGrpSpPr/>
+        <p:nvPr/>
+      </p:nvGrpSpPr>
+      <p:grpSpPr>
+        <a:xfrm>
+          <a:off x="0" y="0"/>
+          <a:ext cx="0" cy="0"/>
+          <a:chOff x="0" y="0"/>
+          <a:chExt cx="0" cy="0"/>
+        </a:xfrm>
+      </p:grpSpPr>
+      <p:sp>
+        <p:nvSpPr>
+          <p:cNvPr id="2" name="Slide Image Placeholder 1"/>
+          <p:cNvSpPr>
+            <a:spLocks noGrp="1" noRot="1" noChangeAspect="1"/>
+          </p:cNvSpPr>
+          <p:nvPr>
+            <p:ph type="sldImg"/>
+          </p:nvPr>
+        </p:nvSpPr>
+        <p:spPr/>
+      </p:sp>
+      <p:sp>
+        <p:nvSpPr>
+          <p:cNvPr id="3" name="Notes Placeholder 2"/>
+          <p:cNvSpPr>
+            <a:spLocks noGrp="1"/>
+          </p:cNvSpPr>
+          <p:nvPr>
+            <p:ph type="body" idx="1"/>
+          </p:nvPr>
+        </p:nvSpPr>
+        <p:spPr/>
+        <p:txBody>
+          <a:bodyPr/>
+          <a:lstStyle/>
+          <a:p>
+            <a:r>
+              <a:rPr lang="en-US" sz="1200" b="0" i="0" kern="1200" dirty="0">
+                <a:solidFill>
+                  <a:schemeClr val="tx1"/>
+                </a:solidFill>
+                <a:effectLst/>
+                <a:latin typeface="+mn-lt"/>
+                <a:ea typeface="+mn-ea"/>
+                <a:cs typeface="+mn-cs"/>
+              </a:rPr>
+              <a:t>Distributional semantics is a linguistic theory that suggests the meaning of a word can be understood by analyzing the contexts in which it appears.</a:t>
+            </a:r>
+          </a:p>
+          <a:p>
+            <a:endParaRPr lang="en-US" sz="1200" b="0" i="0" kern="1200" dirty="0">
+              <a:solidFill>
+                <a:schemeClr val="tx1"/>
+              </a:solidFill>
+              <a:effectLst/>
+              <a:latin typeface="+mn-lt"/>
+              <a:ea typeface="+mn-ea"/>
+              <a:cs typeface="+mn-cs"/>
+            </a:endParaRPr>
+          </a:p>
+          <a:p>
+            <a:r>
+              <a:rPr lang="en-US" sz="1200" b="0" i="0" kern="1200" dirty="0">
+                <a:solidFill>
+                  <a:schemeClr val="tx1"/>
+                </a:solidFill>
+                <a:effectLst/>
+                <a:latin typeface="+mn-lt"/>
+                <a:ea typeface="+mn-ea"/>
+                <a:cs typeface="+mn-cs"/>
+              </a:rPr>
+              <a:t>That is, a words meaning is encoded in the words what surround it.</a:t>
+            </a:r>
+          </a:p>
+          <a:p>
+            <a:endParaRPr lang="en-US" sz="1200" b="0" i="0" kern="1200" dirty="0">
+              <a:solidFill>
+                <a:schemeClr val="tx1"/>
+              </a:solidFill>
+              <a:effectLst/>
+              <a:latin typeface="+mn-lt"/>
+              <a:ea typeface="+mn-ea"/>
+              <a:cs typeface="+mn-cs"/>
+            </a:endParaRPr>
+          </a:p>
+          <a:p>
+            <a:r>
+              <a:rPr lang="en-US" sz="1200" b="0" i="0" kern="1200" dirty="0">
+                <a:solidFill>
+                  <a:schemeClr val="tx1"/>
+                </a:solidFill>
+                <a:effectLst/>
+                <a:latin typeface="+mn-lt"/>
+                <a:ea typeface="+mn-ea"/>
+                <a:cs typeface="+mn-cs"/>
+              </a:rPr>
+              <a:t>“You shall know a work by the company it keeps” comes from a paper published in 1957 and it is one of the most successful ideas in NLP.</a:t>
+            </a:r>
+          </a:p>
+          <a:p>
+            <a:endParaRPr lang="en-US" sz="1200" b="0" i="0" kern="1200" dirty="0">
+              <a:solidFill>
+                <a:schemeClr val="tx1"/>
+              </a:solidFill>
+              <a:effectLst/>
+              <a:latin typeface="+mn-lt"/>
+              <a:ea typeface="+mn-ea"/>
+              <a:cs typeface="+mn-cs"/>
+            </a:endParaRPr>
+          </a:p>
+          <a:p>
+            <a:endParaRPr lang="en-US" dirty="0"/>
+          </a:p>
+        </p:txBody>
+      </p:sp>
+      <p:sp>
+        <p:nvSpPr>
+          <p:cNvPr id="4" name="Slide Number Placeholder 3"/>
+          <p:cNvSpPr>
+            <a:spLocks noGrp="1"/>
+          </p:cNvSpPr>
+          <p:nvPr>
+            <p:ph type="sldNum" sz="quarter" idx="5"/>
+          </p:nvPr>
+        </p:nvSpPr>
+        <p:spPr/>
+        <p:txBody>
+          <a:bodyPr/>
+          <a:lstStyle/>
+          <a:p>
+            <a:fld id="{27DEF642-877A-3748-9CD7-D82B07A9C9C9}" type="slidenum">
+              <a:rPr lang="en-US" smtClean="0"/>
+              <a:t>3</a:t>
+            </a:fld>
+            <a:endParaRPr lang="en-US"/>
+          </a:p>
+        </p:txBody>
+      </p:sp>
+    </p:spTree>
+    <p:extLst>
+      <p:ext uri="{BB962C8B-B14F-4D97-AF65-F5344CB8AC3E}">
+        <p14:creationId xmlns:p14="http://schemas.microsoft.com/office/powerpoint/2010/main" val="4265635518"/>
+      </p:ext>
+    </p:extLst>
+  </p:cSld>
+  <p:clrMapOvr>
+    <a:masterClrMapping/>
+  </p:clrMapOvr>
+</p:notes>
+</file>
+
+<file path=ppt/notesSlides/notesSlide4.xml><?xml version="1.0" encoding="utf-8"?>
+<p:notes xmlns:a="http://schemas.openxmlformats.org/drawingml/2006/main" xmlns:r="http://schemas.openxmlformats.org/officeDocument/2006/relationships" xmlns:p="http://schemas.openxmlformats.org/presentationml/2006/main">
+  <p:cSld>
+    <p:spTree>
+      <p:nvGrpSpPr>
+        <p:cNvPr id="1" name=""/>
+        <p:cNvGrpSpPr/>
+        <p:nvPr/>
+      </p:nvGrpSpPr>
+      <p:grpSpPr>
+        <a:xfrm>
+          <a:off x="0" y="0"/>
+          <a:ext cx="0" cy="0"/>
+          <a:chOff x="0" y="0"/>
+          <a:chExt cx="0" cy="0"/>
+        </a:xfrm>
+      </p:grpSpPr>
+      <p:sp>
+        <p:nvSpPr>
+          <p:cNvPr id="2" name="Slide Image Placeholder 1"/>
+          <p:cNvSpPr>
+            <a:spLocks noGrp="1" noRot="1" noChangeAspect="1"/>
+          </p:cNvSpPr>
+          <p:nvPr>
+            <p:ph type="sldImg"/>
+          </p:nvPr>
+        </p:nvSpPr>
+        <p:spPr/>
+      </p:sp>
+      <p:sp>
+        <p:nvSpPr>
+          <p:cNvPr id="3" name="Notes Placeholder 2"/>
+          <p:cNvSpPr>
+            <a:spLocks noGrp="1"/>
+          </p:cNvSpPr>
+          <p:nvPr>
+            <p:ph type="body" idx="1"/>
+          </p:nvPr>
+        </p:nvSpPr>
+        <p:spPr/>
+        <p:txBody>
+          <a:bodyPr/>
+          <a:lstStyle/>
+          <a:p>
+            <a:r>
+              <a:rPr lang="en-US" dirty="0"/>
+              <a:t>The context of a word is given by the words that appear nearby. </a:t>
+            </a:r>
+          </a:p>
+          <a:p>
+            <a:endParaRPr lang="en-US" dirty="0"/>
+          </a:p>
+          <a:p>
+            <a:r>
+              <a:rPr lang="en-US" dirty="0"/>
+              <a:t>To learn a representation of a word, we need many examples of it being used in different contexts.</a:t>
+            </a:r>
+          </a:p>
+          <a:p>
+            <a:endParaRPr lang="en-US" dirty="0"/>
+          </a:p>
+          <a:p>
+            <a:r>
+              <a:rPr lang="en-US" dirty="0"/>
+              <a:t>For example, the word “banking” appears in these phrases, and the surrounding words are known as “context words”.</a:t>
+            </a:r>
+          </a:p>
+        </p:txBody>
+      </p:sp>
+      <p:sp>
+        <p:nvSpPr>
+          <p:cNvPr id="4" name="Slide Number Placeholder 3"/>
+          <p:cNvSpPr>
+            <a:spLocks noGrp="1"/>
+          </p:cNvSpPr>
+          <p:nvPr>
+            <p:ph type="sldNum" sz="quarter" idx="5"/>
+          </p:nvPr>
+        </p:nvSpPr>
+        <p:spPr/>
+        <p:txBody>
+          <a:bodyPr/>
+          <a:lstStyle/>
+          <a:p>
+            <a:fld id="{27DEF642-877A-3748-9CD7-D82B07A9C9C9}" type="slidenum">
+              <a:rPr lang="en-US" smtClean="0"/>
+              <a:t>4</a:t>
+            </a:fld>
+            <a:endParaRPr lang="en-US"/>
+          </a:p>
+        </p:txBody>
+      </p:sp>
+    </p:spTree>
+    <p:extLst>
+      <p:ext uri="{BB962C8B-B14F-4D97-AF65-F5344CB8AC3E}">
+        <p14:creationId xmlns:p14="http://schemas.microsoft.com/office/powerpoint/2010/main" val="2349519357"/>
+      </p:ext>
+    </p:extLst>
+  </p:cSld>
+  <p:clrMapOvr>
+    <a:masterClrMapping/>
+  </p:clrMapOvr>
+</p:notes>
+</file>
+
+<file path=ppt/notesSlides/notesSlide5.xml><?xml version="1.0" encoding="utf-8"?>
+<p:notes xmlns:a="http://schemas.openxmlformats.org/drawingml/2006/main" xmlns:r="http://schemas.openxmlformats.org/officeDocument/2006/relationships" xmlns:p="http://schemas.openxmlformats.org/presentationml/2006/main">
+  <p:cSld>
+    <p:spTree>
+      <p:nvGrpSpPr>
+        <p:cNvPr id="1" name=""/>
+        <p:cNvGrpSpPr/>
+        <p:nvPr/>
+      </p:nvGrpSpPr>
+      <p:grpSpPr>
+        <a:xfrm>
+          <a:off x="0" y="0"/>
+          <a:ext cx="0" cy="0"/>
+          <a:chOff x="0" y="0"/>
+          <a:chExt cx="0" cy="0"/>
+        </a:xfrm>
+      </p:grpSpPr>
+      <p:sp>
+        <p:nvSpPr>
+          <p:cNvPr id="2" name="Slide Image Placeholder 1"/>
+          <p:cNvSpPr>
+            <a:spLocks noGrp="1" noRot="1" noChangeAspect="1"/>
+          </p:cNvSpPr>
+          <p:nvPr>
+            <p:ph type="sldImg"/>
+          </p:nvPr>
+        </p:nvSpPr>
+        <p:spPr/>
+      </p:sp>
+      <p:sp>
+        <p:nvSpPr>
+          <p:cNvPr id="3" name="Notes Placeholder 2"/>
+          <p:cNvSpPr>
+            <a:spLocks noGrp="1"/>
+          </p:cNvSpPr>
+          <p:nvPr>
+            <p:ph type="body" idx="1"/>
+          </p:nvPr>
+        </p:nvSpPr>
+        <p:spPr/>
+        <p:txBody>
+          <a:bodyPr/>
+          <a:lstStyle/>
+          <a:p>
+            <a:r>
+              <a:rPr lang="en-US" dirty="0"/>
+              <a:t>In the bag of words approach, each word is represented by a sparse vector. These vectors are the length of the dictionary, and contain all zeros except for the position corresponding to the word.</a:t>
+            </a:r>
+          </a:p>
+          <a:p>
+            <a:endParaRPr lang="en-US" dirty="0"/>
+          </a:p>
+          <a:p>
+            <a:r>
+              <a:rPr lang="en-US" dirty="0"/>
+              <a:t>For the distributional semantic representation, the word vector is instead a dense vector. </a:t>
+            </a:r>
+          </a:p>
+          <a:p>
+            <a:endParaRPr lang="en-US" dirty="0"/>
+          </a:p>
+          <a:p>
+            <a:r>
+              <a:rPr lang="en-US" dirty="0"/>
+              <a:t>For example, banking is represented by the 8 values in the vector. These values are learned, so that words with similar meanings have vectors that are also similar.</a:t>
+            </a:r>
+          </a:p>
+          <a:p>
+            <a:endParaRPr lang="en-US" dirty="0"/>
+          </a:p>
+          <a:p>
+            <a:r>
+              <a:rPr lang="en-US" dirty="0"/>
+              <a:t>The word vectors are known as embeddings, or sometimes representations. </a:t>
+            </a:r>
+          </a:p>
+        </p:txBody>
+      </p:sp>
+      <p:sp>
+        <p:nvSpPr>
+          <p:cNvPr id="4" name="Slide Number Placeholder 3"/>
+          <p:cNvSpPr>
+            <a:spLocks noGrp="1"/>
+          </p:cNvSpPr>
+          <p:nvPr>
+            <p:ph type="sldNum" sz="quarter" idx="5"/>
+          </p:nvPr>
+        </p:nvSpPr>
+        <p:spPr/>
+        <p:txBody>
+          <a:bodyPr/>
+          <a:lstStyle/>
+          <a:p>
+            <a:fld id="{27DEF642-877A-3748-9CD7-D82B07A9C9C9}" type="slidenum">
+              <a:rPr lang="en-US" smtClean="0"/>
+              <a:t>5</a:t>
+            </a:fld>
+            <a:endParaRPr lang="en-US"/>
+          </a:p>
+        </p:txBody>
+      </p:sp>
+    </p:spTree>
+    <p:extLst>
+      <p:ext uri="{BB962C8B-B14F-4D97-AF65-F5344CB8AC3E}">
+        <p14:creationId xmlns:p14="http://schemas.microsoft.com/office/powerpoint/2010/main" val="931102262"/>
+      </p:ext>
+    </p:extLst>
+  </p:cSld>
+  <p:clrMapOvr>
+    <a:masterClrMapping/>
+  </p:clrMapOvr>
+</p:notes>
+</file>
+
+<file path=ppt/notesSlides/notesSlide6.xml><?xml version="1.0" encoding="utf-8"?>
+<p:notes xmlns:a="http://schemas.openxmlformats.org/drawingml/2006/main" xmlns:r="http://schemas.openxmlformats.org/officeDocument/2006/relationships" xmlns:p="http://schemas.openxmlformats.org/presentationml/2006/main">
+  <p:cSld>
+    <p:spTree>
+      <p:nvGrpSpPr>
+        <p:cNvPr id="1" name=""/>
+        <p:cNvGrpSpPr/>
+        <p:nvPr/>
+      </p:nvGrpSpPr>
+      <p:grpSpPr>
+        <a:xfrm>
+          <a:off x="0" y="0"/>
+          <a:ext cx="0" cy="0"/>
+          <a:chOff x="0" y="0"/>
+          <a:chExt cx="0" cy="0"/>
+        </a:xfrm>
+      </p:grpSpPr>
+      <p:sp>
+        <p:nvSpPr>
+          <p:cNvPr id="2" name="Slide Image Placeholder 1"/>
+          <p:cNvSpPr>
+            <a:spLocks noGrp="1" noRot="1" noChangeAspect="1"/>
+          </p:cNvSpPr>
+          <p:nvPr>
+            <p:ph type="sldImg"/>
+          </p:nvPr>
+        </p:nvSpPr>
+        <p:spPr/>
+      </p:sp>
+      <p:sp>
+        <p:nvSpPr>
+          <p:cNvPr id="3" name="Notes Placeholder 2"/>
+          <p:cNvSpPr>
+            <a:spLocks noGrp="1"/>
+          </p:cNvSpPr>
+          <p:nvPr>
+            <p:ph type="body" idx="1"/>
+          </p:nvPr>
+        </p:nvSpPr>
+        <p:spPr/>
+        <p:txBody>
+          <a:bodyPr/>
+          <a:lstStyle/>
+          <a:p>
+            <a:r>
+              <a:rPr lang="en-US" dirty="0"/>
+              <a:t>The Word2vec framework was developed in 2013 with the goal of learning word vectors from example text.</a:t>
+            </a:r>
+          </a:p>
+          <a:p>
+            <a:endParaRPr lang="en-US" dirty="0"/>
+          </a:p>
+          <a:p>
+            <a:r>
+              <a:rPr lang="en-US" dirty="0"/>
+              <a:t>In general, you start with a large collection of text, and for every word across the entire corpus of text is represented by a unique embedding vector.</a:t>
+            </a:r>
+          </a:p>
+          <a:p>
+            <a:endParaRPr lang="en-US" dirty="0"/>
+          </a:p>
+          <a:p>
+            <a:r>
+              <a:rPr lang="en-US" dirty="0"/>
+              <a:t>Within the text, each word is treated as the center of a phrase of fixed length. So for each position in the text, we have a center word and context (outside) words.</a:t>
+            </a:r>
+          </a:p>
+          <a:p>
+            <a:endParaRPr lang="en-US" dirty="0"/>
+          </a:p>
+          <a:p>
+            <a:r>
+              <a:rPr lang="en-US" dirty="0"/>
+              <a:t>We can then compute the probability of finding a word nearby to our center word by looking through the corpus of text.</a:t>
+            </a:r>
+          </a:p>
+          <a:p>
+            <a:endParaRPr lang="en-US" dirty="0"/>
+          </a:p>
+          <a:p>
+            <a:r>
+              <a:rPr lang="en-US" dirty="0"/>
+              <a:t>The goal is then to find the word vectors that maximize this probability.</a:t>
+            </a:r>
+          </a:p>
+          <a:p>
+            <a:endParaRPr lang="en-US" dirty="0"/>
+          </a:p>
+          <a:p>
+            <a:r>
+              <a:rPr lang="en-US" dirty="0"/>
+              <a:t>The idea is a bit complex, so let’s look a visualization.</a:t>
+            </a:r>
+          </a:p>
+        </p:txBody>
+      </p:sp>
+      <p:sp>
+        <p:nvSpPr>
+          <p:cNvPr id="4" name="Slide Number Placeholder 3"/>
+          <p:cNvSpPr>
+            <a:spLocks noGrp="1"/>
+          </p:cNvSpPr>
+          <p:nvPr>
+            <p:ph type="sldNum" sz="quarter" idx="5"/>
+          </p:nvPr>
+        </p:nvSpPr>
+        <p:spPr/>
+        <p:txBody>
+          <a:bodyPr/>
+          <a:lstStyle/>
+          <a:p>
+            <a:fld id="{27DEF642-877A-3748-9CD7-D82B07A9C9C9}" type="slidenum">
+              <a:rPr lang="en-US" smtClean="0"/>
+              <a:t>6</a:t>
+            </a:fld>
+            <a:endParaRPr lang="en-US"/>
+          </a:p>
+        </p:txBody>
+      </p:sp>
+    </p:spTree>
+    <p:extLst>
+      <p:ext uri="{BB962C8B-B14F-4D97-AF65-F5344CB8AC3E}">
+        <p14:creationId xmlns:p14="http://schemas.microsoft.com/office/powerpoint/2010/main" val="2892638420"/>
+      </p:ext>
+    </p:extLst>
+  </p:cSld>
+  <p:clrMapOvr>
+    <a:masterClrMapping/>
+  </p:clrMapOvr>
+</p:notes>
+</file>
+
+<file path=ppt/notesSlides/notesSlide7.xml><?xml version="1.0" encoding="utf-8"?>
+<p:notes xmlns:a="http://schemas.openxmlformats.org/drawingml/2006/main" xmlns:r="http://schemas.openxmlformats.org/officeDocument/2006/relationships" xmlns:p="http://schemas.openxmlformats.org/presentationml/2006/main">
+  <p:cSld>
+    <p:spTree>
+      <p:nvGrpSpPr>
+        <p:cNvPr id="1" name=""/>
+        <p:cNvGrpSpPr/>
+        <p:nvPr/>
+      </p:nvGrpSpPr>
+      <p:grpSpPr>
+        <a:xfrm>
+          <a:off x="0" y="0"/>
+          <a:ext cx="0" cy="0"/>
+          <a:chOff x="0" y="0"/>
+          <a:chExt cx="0" cy="0"/>
+        </a:xfrm>
+      </p:grpSpPr>
+      <p:sp>
+        <p:nvSpPr>
+          <p:cNvPr id="2" name="Slide Image Placeholder 1"/>
+          <p:cNvSpPr>
+            <a:spLocks noGrp="1" noRot="1" noChangeAspect="1"/>
+          </p:cNvSpPr>
+          <p:nvPr>
+            <p:ph type="sldImg"/>
+          </p:nvPr>
+        </p:nvSpPr>
+        <p:spPr/>
+      </p:sp>
+      <p:sp>
+        <p:nvSpPr>
+          <p:cNvPr id="3" name="Notes Placeholder 2"/>
+          <p:cNvSpPr>
+            <a:spLocks noGrp="1"/>
+          </p:cNvSpPr>
+          <p:nvPr>
+            <p:ph type="body" idx="1"/>
+          </p:nvPr>
+        </p:nvSpPr>
+        <p:spPr/>
+        <p:txBody>
+          <a:bodyPr/>
+          <a:lstStyle/>
+          <a:p>
+            <a:r>
+              <a:rPr lang="en-US" dirty="0"/>
+              <a:t>Here is an illustration of how the probability of finding an outside word, given the center word.</a:t>
+            </a:r>
+          </a:p>
+          <a:p>
+            <a:endParaRPr lang="en-US" dirty="0"/>
+          </a:p>
+          <a:p>
+            <a:r>
+              <a:rPr lang="en-US" dirty="0"/>
+              <a:t>Here we are using a window size of 2.</a:t>
+            </a:r>
+          </a:p>
+          <a:p>
+            <a:endParaRPr lang="en-US" dirty="0"/>
+          </a:p>
+          <a:p>
+            <a:r>
+              <a:rPr lang="en-US" dirty="0"/>
+              <a:t>By looking through the entire corpus of text, we can calculate the probability of finding a word in any of the positions surrounding the center word.</a:t>
+            </a:r>
+          </a:p>
+          <a:p>
+            <a:endParaRPr lang="en-US" dirty="0"/>
+          </a:p>
+          <a:p>
+            <a:r>
+              <a:rPr lang="en-US" dirty="0"/>
+              <a:t>The result is that for a given word in the vocabulary, the probability of all the other words occurring in each of the “outside” positions becomes known.</a:t>
+            </a:r>
+          </a:p>
+        </p:txBody>
+      </p:sp>
+      <p:sp>
+        <p:nvSpPr>
+          <p:cNvPr id="4" name="Slide Number Placeholder 3"/>
+          <p:cNvSpPr>
+            <a:spLocks noGrp="1"/>
+          </p:cNvSpPr>
+          <p:nvPr>
+            <p:ph type="sldNum" sz="quarter" idx="5"/>
+          </p:nvPr>
+        </p:nvSpPr>
+        <p:spPr/>
+        <p:txBody>
+          <a:bodyPr/>
+          <a:lstStyle/>
+          <a:p>
+            <a:fld id="{27DEF642-877A-3748-9CD7-D82B07A9C9C9}" type="slidenum">
+              <a:rPr lang="en-US" smtClean="0"/>
+              <a:t>7</a:t>
+            </a:fld>
+            <a:endParaRPr lang="en-US"/>
+          </a:p>
+        </p:txBody>
+      </p:sp>
+    </p:spTree>
+    <p:extLst>
+      <p:ext uri="{BB962C8B-B14F-4D97-AF65-F5344CB8AC3E}">
+        <p14:creationId xmlns:p14="http://schemas.microsoft.com/office/powerpoint/2010/main" val="668376049"/>
+      </p:ext>
+    </p:extLst>
+  </p:cSld>
+  <p:clrMapOvr>
+    <a:masterClrMapping/>
+  </p:clrMapOvr>
+</p:notes>
+</file>
+
+<file path=ppt/notesSlides/notesSlide8.xml><?xml version="1.0" encoding="utf-8"?>
+<p:notes xmlns:a="http://schemas.openxmlformats.org/drawingml/2006/main" xmlns:r="http://schemas.openxmlformats.org/officeDocument/2006/relationships" xmlns:p="http://schemas.openxmlformats.org/presentationml/2006/main">
+  <p:cSld>
+    <p:spTree>
+      <p:nvGrpSpPr>
+        <p:cNvPr id="1" name=""/>
+        <p:cNvGrpSpPr/>
+        <p:nvPr/>
+      </p:nvGrpSpPr>
+      <p:grpSpPr>
+        <a:xfrm>
+          <a:off x="0" y="0"/>
+          <a:ext cx="0" cy="0"/>
+          <a:chOff x="0" y="0"/>
+          <a:chExt cx="0" cy="0"/>
+        </a:xfrm>
+      </p:grpSpPr>
+      <p:sp>
+        <p:nvSpPr>
+          <p:cNvPr id="2" name="Slide Image Placeholder 1"/>
+          <p:cNvSpPr>
+            <a:spLocks noGrp="1" noRot="1" noChangeAspect="1"/>
+          </p:cNvSpPr>
+          <p:nvPr>
+            <p:ph type="sldImg"/>
+          </p:nvPr>
+        </p:nvSpPr>
+        <p:spPr/>
+      </p:sp>
+      <p:sp>
+        <p:nvSpPr>
+          <p:cNvPr id="3" name="Notes Placeholder 2"/>
+          <p:cNvSpPr>
+            <a:spLocks noGrp="1"/>
+          </p:cNvSpPr>
+          <p:nvPr>
+            <p:ph type="body" idx="1"/>
+          </p:nvPr>
+        </p:nvSpPr>
+        <p:spPr/>
+        <p:txBody>
+          <a:bodyPr/>
+          <a:lstStyle/>
+          <a:p>
+            <a:r>
+              <a:rPr lang="en-US" dirty="0"/>
+              <a:t>But how do we learn a dense word vector that will maximize the context word probability? </a:t>
+            </a:r>
+          </a:p>
+          <a:p>
+            <a:endParaRPr lang="en-US" dirty="0"/>
+          </a:p>
+          <a:p>
+            <a:r>
+              <a:rPr lang="en-US" dirty="0"/>
+              <a:t>And what does that even mean?</a:t>
+            </a:r>
+          </a:p>
+          <a:p>
+            <a:endParaRPr lang="en-US" dirty="0"/>
+          </a:p>
+          <a:p>
+            <a:r>
+              <a:rPr lang="en-US" dirty="0"/>
+              <a:t>Well, we want to find a dense vector representation, because the sparse vector of probabilities over the entire vocabulary comes with computational and machine learning challenges we have discussed before.</a:t>
+            </a:r>
+          </a:p>
+          <a:p>
+            <a:endParaRPr lang="en-US" dirty="0"/>
+          </a:p>
+          <a:p>
+            <a:r>
+              <a:rPr lang="en-US" dirty="0"/>
+              <a:t>One approach to do this is called the Skip-Gram Model.</a:t>
+            </a:r>
+          </a:p>
+        </p:txBody>
+      </p:sp>
+      <p:sp>
+        <p:nvSpPr>
+          <p:cNvPr id="4" name="Slide Number Placeholder 3"/>
+          <p:cNvSpPr>
+            <a:spLocks noGrp="1"/>
+          </p:cNvSpPr>
+          <p:nvPr>
+            <p:ph type="sldNum" sz="quarter" idx="5"/>
+          </p:nvPr>
+        </p:nvSpPr>
+        <p:spPr/>
+        <p:txBody>
+          <a:bodyPr/>
+          <a:lstStyle/>
+          <a:p>
+            <a:fld id="{27DEF642-877A-3748-9CD7-D82B07A9C9C9}" type="slidenum">
+              <a:rPr lang="en-US" smtClean="0"/>
+              <a:t>8</a:t>
+            </a:fld>
+            <a:endParaRPr lang="en-US"/>
+          </a:p>
+        </p:txBody>
+      </p:sp>
+    </p:spTree>
+    <p:extLst>
+      <p:ext uri="{BB962C8B-B14F-4D97-AF65-F5344CB8AC3E}">
+        <p14:creationId xmlns:p14="http://schemas.microsoft.com/office/powerpoint/2010/main" val="3268942312"/>
+      </p:ext>
+    </p:extLst>
+  </p:cSld>
+  <p:clrMapOvr>
+    <a:masterClrMapping/>
+  </p:clrMapOvr>
+</p:notes>
+</file>
+
+<file path=ppt/notesSlides/notesSlide9.xml><?xml version="1.0" encoding="utf-8"?>
+<p:notes xmlns:a="http://schemas.openxmlformats.org/drawingml/2006/main" xmlns:r="http://schemas.openxmlformats.org/officeDocument/2006/relationships" xmlns:p="http://schemas.openxmlformats.org/presentationml/2006/main">
+  <p:cSld>
+    <p:spTree>
+      <p:nvGrpSpPr>
+        <p:cNvPr id="1" name=""/>
+        <p:cNvGrpSpPr/>
+        <p:nvPr/>
+      </p:nvGrpSpPr>
+      <p:grpSpPr>
+        <a:xfrm>
+          <a:off x="0" y="0"/>
+          <a:ext cx="0" cy="0"/>
+          <a:chOff x="0" y="0"/>
+          <a:chExt cx="0" cy="0"/>
+        </a:xfrm>
+      </p:grpSpPr>
+      <p:sp>
+        <p:nvSpPr>
+          <p:cNvPr id="2" name="Slide Image Placeholder 1"/>
+          <p:cNvSpPr>
+            <a:spLocks noGrp="1" noRot="1" noChangeAspect="1"/>
+          </p:cNvSpPr>
+          <p:nvPr>
+            <p:ph type="sldImg"/>
+          </p:nvPr>
+        </p:nvSpPr>
+        <p:spPr/>
+      </p:sp>
+      <p:sp>
+        <p:nvSpPr>
+          <p:cNvPr id="3" name="Notes Placeholder 2"/>
+          <p:cNvSpPr>
+            <a:spLocks noGrp="1"/>
+          </p:cNvSpPr>
+          <p:nvPr>
+            <p:ph type="body" idx="1"/>
+          </p:nvPr>
+        </p:nvSpPr>
+        <p:spPr/>
+        <p:txBody>
+          <a:bodyPr/>
+          <a:lstStyle/>
+          <a:p>
+            <a:r>
+              <a:rPr lang="en-US" dirty="0"/>
+              <a:t>This approach uses a trick that appears in other machine learning applications.</a:t>
+            </a:r>
+          </a:p>
+          <a:p>
+            <a:endParaRPr lang="en-US" dirty="0"/>
+          </a:p>
+          <a:p>
+            <a:r>
+              <a:rPr lang="en-US" dirty="0"/>
+              <a:t>And that is to train a neural network with a single hidden layer to predict the probability of context words.</a:t>
+            </a:r>
+          </a:p>
+          <a:p>
+            <a:endParaRPr lang="en-US" dirty="0"/>
+          </a:p>
+          <a:p>
+            <a:r>
+              <a:rPr lang="en-US" dirty="0"/>
+              <a:t>But the catch is that we are not going to use the trained neural network, but instead use the learned weights as a new representation of the input.</a:t>
+            </a:r>
+          </a:p>
+        </p:txBody>
+      </p:sp>
+      <p:sp>
+        <p:nvSpPr>
+          <p:cNvPr id="4" name="Slide Number Placeholder 3"/>
+          <p:cNvSpPr>
+            <a:spLocks noGrp="1"/>
+          </p:cNvSpPr>
+          <p:nvPr>
+            <p:ph type="sldNum" sz="quarter" idx="5"/>
+          </p:nvPr>
+        </p:nvSpPr>
+        <p:spPr/>
+        <p:txBody>
+          <a:bodyPr/>
+          <a:lstStyle/>
+          <a:p>
+            <a:fld id="{27DEF642-877A-3748-9CD7-D82B07A9C9C9}" type="slidenum">
+              <a:rPr lang="en-US" smtClean="0"/>
+              <a:t>9</a:t>
+            </a:fld>
+            <a:endParaRPr lang="en-US"/>
+          </a:p>
+        </p:txBody>
+      </p:sp>
+    </p:spTree>
+    <p:extLst>
+      <p:ext uri="{BB962C8B-B14F-4D97-AF65-F5344CB8AC3E}">
+        <p14:creationId xmlns:p14="http://schemas.microsoft.com/office/powerpoint/2010/main" val="4008729676"/>
       </p:ext>
     </p:extLst>
   </p:cSld>
@@ -803,7 +2882,7 @@
           <a:p>
             <a:fld id="{CDA456EC-293D-6641-B2C5-C44BFE79AF44}" type="datetimeFigureOut">
               <a:rPr lang="en-US" smtClean="0"/>
-              <a:t>10/15/2024</a:t>
+              <a:t>11/13/2024</a:t>
             </a:fld>
             <a:endParaRPr lang="en-US"/>
           </a:p>
@@ -1001,7 +3080,7 @@
           <a:p>
             <a:fld id="{CDA456EC-293D-6641-B2C5-C44BFE79AF44}" type="datetimeFigureOut">
               <a:rPr lang="en-US" smtClean="0"/>
-              <a:t>10/15/2024</a:t>
+              <a:t>11/13/2024</a:t>
             </a:fld>
             <a:endParaRPr lang="en-US"/>
           </a:p>
@@ -1209,7 +3288,7 @@
           <a:p>
             <a:fld id="{CDA456EC-293D-6641-B2C5-C44BFE79AF44}" type="datetimeFigureOut">
               <a:rPr lang="en-US" smtClean="0"/>
-              <a:t>10/15/2024</a:t>
+              <a:t>11/13/2024</a:t>
             </a:fld>
             <a:endParaRPr lang="en-US"/>
           </a:p>
@@ -1407,7 +3486,7 @@
           <a:p>
             <a:fld id="{CDA456EC-293D-6641-B2C5-C44BFE79AF44}" type="datetimeFigureOut">
               <a:rPr lang="en-US" smtClean="0"/>
-              <a:t>10/15/2024</a:t>
+              <a:t>11/13/2024</a:t>
             </a:fld>
             <a:endParaRPr lang="en-US"/>
           </a:p>
@@ -1682,7 +3761,7 @@
           <a:p>
             <a:fld id="{CDA456EC-293D-6641-B2C5-C44BFE79AF44}" type="datetimeFigureOut">
               <a:rPr lang="en-US" smtClean="0"/>
-              <a:t>10/15/2024</a:t>
+              <a:t>11/13/2024</a:t>
             </a:fld>
             <a:endParaRPr lang="en-US"/>
           </a:p>
@@ -1947,7 +4026,7 @@
           <a:p>
             <a:fld id="{CDA456EC-293D-6641-B2C5-C44BFE79AF44}" type="datetimeFigureOut">
               <a:rPr lang="en-US" smtClean="0"/>
-              <a:t>10/15/2024</a:t>
+              <a:t>11/13/2024</a:t>
             </a:fld>
             <a:endParaRPr lang="en-US"/>
           </a:p>
@@ -2359,7 +4438,7 @@
           <a:p>
             <a:fld id="{CDA456EC-293D-6641-B2C5-C44BFE79AF44}" type="datetimeFigureOut">
               <a:rPr lang="en-US" smtClean="0"/>
-              <a:t>10/15/2024</a:t>
+              <a:t>11/13/2024</a:t>
             </a:fld>
             <a:endParaRPr lang="en-US"/>
           </a:p>
@@ -2500,7 +4579,7 @@
           <a:p>
             <a:fld id="{CDA456EC-293D-6641-B2C5-C44BFE79AF44}" type="datetimeFigureOut">
               <a:rPr lang="en-US" smtClean="0"/>
-              <a:t>10/15/2024</a:t>
+              <a:t>11/13/2024</a:t>
             </a:fld>
             <a:endParaRPr lang="en-US"/>
           </a:p>
@@ -2613,7 +4692,7 @@
           <a:p>
             <a:fld id="{CDA456EC-293D-6641-B2C5-C44BFE79AF44}" type="datetimeFigureOut">
               <a:rPr lang="en-US" smtClean="0"/>
-              <a:t>10/15/2024</a:t>
+              <a:t>11/13/2024</a:t>
             </a:fld>
             <a:endParaRPr lang="en-US"/>
           </a:p>
@@ -2924,7 +5003,7 @@
           <a:p>
             <a:fld id="{CDA456EC-293D-6641-B2C5-C44BFE79AF44}" type="datetimeFigureOut">
               <a:rPr lang="en-US" smtClean="0"/>
-              <a:t>10/15/2024</a:t>
+              <a:t>11/13/2024</a:t>
             </a:fld>
             <a:endParaRPr lang="en-US"/>
           </a:p>
@@ -3212,7 +5291,7 @@
           <a:p>
             <a:fld id="{CDA456EC-293D-6641-B2C5-C44BFE79AF44}" type="datetimeFigureOut">
               <a:rPr lang="en-US" smtClean="0"/>
-              <a:t>10/15/2024</a:t>
+              <a:t>11/13/2024</a:t>
             </a:fld>
             <a:endParaRPr lang="en-US"/>
           </a:p>
@@ -3453,7 +5532,7 @@
           <a:p>
             <a:fld id="{CDA456EC-293D-6641-B2C5-C44BFE79AF44}" type="datetimeFigureOut">
               <a:rPr lang="en-US" smtClean="0"/>
-              <a:t>10/15/2024</a:t>
+              <a:t>11/13/2024</a:t>
             </a:fld>
             <a:endParaRPr lang="en-US"/>
           </a:p>
@@ -4224,383 +6303,6 @@
           <a:p>
             <a:r>
               <a:rPr lang="en-US" dirty="0"/>
-              <a:t>Skip-Gram Model : High Level Insight</a:t>
-            </a:r>
-          </a:p>
-        </p:txBody>
-      </p:sp>
-      <p:sp>
-        <p:nvSpPr>
-          <p:cNvPr id="3" name="Content Placeholder 2"/>
-          <p:cNvSpPr>
-            <a:spLocks noGrp="1"/>
-          </p:cNvSpPr>
-          <p:nvPr>
-            <p:ph idx="1"/>
-          </p:nvPr>
-        </p:nvSpPr>
-        <p:spPr/>
-        <p:txBody>
-          <a:bodyPr>
-            <a:normAutofit/>
-          </a:bodyPr>
-          <a:lstStyle/>
-          <a:p>
-            <a:r>
-              <a:rPr lang="en-US" dirty="0"/>
-              <a:t>Uses a </a:t>
-            </a:r>
-            <a:r>
-              <a:rPr lang="en-US" dirty="0">
-                <a:solidFill>
-                  <a:srgbClr val="C00000"/>
-                </a:solidFill>
-              </a:rPr>
-              <a:t>trick </a:t>
-            </a:r>
-            <a:r>
-              <a:rPr lang="en-US" dirty="0"/>
-              <a:t>you may have seen elsewhere in machine learning.</a:t>
-            </a:r>
-          </a:p>
-          <a:p>
-            <a:endParaRPr lang="en-US" dirty="0"/>
-          </a:p>
-          <a:p>
-            <a:r>
-              <a:rPr lang="en-US" dirty="0"/>
-              <a:t>Train a </a:t>
-            </a:r>
-            <a:r>
-              <a:rPr lang="en-US" dirty="0">
-                <a:solidFill>
-                  <a:srgbClr val="0070C0"/>
-                </a:solidFill>
-              </a:rPr>
-              <a:t>simple neural network </a:t>
-            </a:r>
-            <a:r>
-              <a:rPr lang="en-US" dirty="0"/>
-              <a:t>with a </a:t>
-            </a:r>
-            <a:r>
-              <a:rPr lang="en-US" dirty="0">
-                <a:solidFill>
-                  <a:srgbClr val="0070C0"/>
-                </a:solidFill>
-              </a:rPr>
-              <a:t>single hidden layer </a:t>
-            </a:r>
-            <a:r>
-              <a:rPr lang="en-US" dirty="0"/>
-              <a:t>to perform a certain task</a:t>
-            </a:r>
-          </a:p>
-          <a:p>
-            <a:endParaRPr lang="en-US" dirty="0"/>
-          </a:p>
-          <a:p>
-            <a:r>
-              <a:rPr lang="en-US" b="1" i="1" dirty="0"/>
-              <a:t>But then we’re not actually going to use that neural network for the task we trained it on!</a:t>
-            </a:r>
-          </a:p>
-          <a:p>
-            <a:endParaRPr lang="en-US" b="1" i="1" dirty="0"/>
-          </a:p>
-          <a:p>
-            <a:r>
-              <a:rPr lang="en-US" dirty="0"/>
-              <a:t>The goal is something else (more on this later)</a:t>
-            </a:r>
-            <a:endParaRPr lang="en-US" dirty="0">
-              <a:solidFill>
-                <a:srgbClr val="0070C0"/>
-              </a:solidFill>
-            </a:endParaRPr>
-          </a:p>
-          <a:p>
-            <a:pPr lvl="1"/>
-            <a:endParaRPr lang="en-US" b="1" i="1" dirty="0"/>
-          </a:p>
-        </p:txBody>
-      </p:sp>
-    </p:spTree>
-    <p:extLst>
-      <p:ext uri="{BB962C8B-B14F-4D97-AF65-F5344CB8AC3E}">
-        <p14:creationId xmlns:p14="http://schemas.microsoft.com/office/powerpoint/2010/main" val="3641336572"/>
-      </p:ext>
-    </p:extLst>
-  </p:cSld>
-  <p:clrMapOvr>
-    <a:masterClrMapping/>
-  </p:clrMapOvr>
-  <p:timing>
-    <p:tnLst>
-      <p:par>
-        <p:cTn id="1" dur="indefinite" restart="never" nodeType="tmRoot">
-          <p:childTnLst>
-            <p:seq concurrent="1" nextAc="seek">
-              <p:cTn id="2" dur="indefinite" nodeType="mainSeq">
-                <p:childTnLst>
-                  <p:par>
-                    <p:cTn id="3" fill="hold">
-                      <p:stCondLst>
-                        <p:cond delay="indefinite"/>
-                      </p:stCondLst>
-                      <p:childTnLst>
-                        <p:par>
-                          <p:cTn id="4" fill="hold">
-                            <p:stCondLst>
-                              <p:cond delay="0"/>
-                            </p:stCondLst>
-                            <p:childTnLst>
-                              <p:par>
-                                <p:cTn id="5" presetID="1" presetClass="entr" presetSubtype="0" fill="hold" grpId="0" nodeType="clickEffect">
-                                  <p:stCondLst>
-                                    <p:cond delay="0"/>
-                                  </p:stCondLst>
-                                  <p:childTnLst>
-                                    <p:set>
-                                      <p:cBhvr>
-                                        <p:cTn id="6" dur="1" fill="hold">
-                                          <p:stCondLst>
-                                            <p:cond delay="0"/>
-                                          </p:stCondLst>
-                                        </p:cTn>
-                                        <p:tgtEl>
-                                          <p:spTgt spid="3">
-                                            <p:txEl>
-                                              <p:pRg st="0" end="0"/>
-                                            </p:txEl>
-                                          </p:spTgt>
-                                        </p:tgtEl>
-                                        <p:attrNameLst>
-                                          <p:attrName>style.visibility</p:attrName>
-                                        </p:attrNameLst>
-                                      </p:cBhvr>
-                                      <p:to>
-                                        <p:strVal val="visible"/>
-                                      </p:to>
-                                    </p:set>
-                                  </p:childTnLst>
-                                </p:cTn>
-                              </p:par>
-                            </p:childTnLst>
-                          </p:cTn>
-                        </p:par>
-                      </p:childTnLst>
-                    </p:cTn>
-                  </p:par>
-                  <p:par>
-                    <p:cTn id="7" fill="hold">
-                      <p:stCondLst>
-                        <p:cond delay="indefinite"/>
-                      </p:stCondLst>
-                      <p:childTnLst>
-                        <p:par>
-                          <p:cTn id="8" fill="hold">
-                            <p:stCondLst>
-                              <p:cond delay="0"/>
-                            </p:stCondLst>
-                            <p:childTnLst>
-                              <p:par>
-                                <p:cTn id="9" presetID="1" presetClass="entr" presetSubtype="0" fill="hold" grpId="0" nodeType="clickEffect">
-                                  <p:stCondLst>
-                                    <p:cond delay="0"/>
-                                  </p:stCondLst>
-                                  <p:childTnLst>
-                                    <p:set>
-                                      <p:cBhvr>
-                                        <p:cTn id="10" dur="1" fill="hold">
-                                          <p:stCondLst>
-                                            <p:cond delay="0"/>
-                                          </p:stCondLst>
-                                        </p:cTn>
-                                        <p:tgtEl>
-                                          <p:spTgt spid="3">
-                                            <p:txEl>
-                                              <p:pRg st="2" end="2"/>
-                                            </p:txEl>
-                                          </p:spTgt>
-                                        </p:tgtEl>
-                                        <p:attrNameLst>
-                                          <p:attrName>style.visibility</p:attrName>
-                                        </p:attrNameLst>
-                                      </p:cBhvr>
-                                      <p:to>
-                                        <p:strVal val="visible"/>
-                                      </p:to>
-                                    </p:set>
-                                  </p:childTnLst>
-                                </p:cTn>
-                              </p:par>
-                            </p:childTnLst>
-                          </p:cTn>
-                        </p:par>
-                      </p:childTnLst>
-                    </p:cTn>
-                  </p:par>
-                  <p:par>
-                    <p:cTn id="11" fill="hold">
-                      <p:stCondLst>
-                        <p:cond delay="indefinite"/>
-                      </p:stCondLst>
-                      <p:childTnLst>
-                        <p:par>
-                          <p:cTn id="12" fill="hold">
-                            <p:stCondLst>
-                              <p:cond delay="0"/>
-                            </p:stCondLst>
-                            <p:childTnLst>
-                              <p:par>
-                                <p:cTn id="13" presetID="1" presetClass="entr" presetSubtype="0" fill="hold" grpId="0" nodeType="clickEffect">
-                                  <p:stCondLst>
-                                    <p:cond delay="0"/>
-                                  </p:stCondLst>
-                                  <p:childTnLst>
-                                    <p:set>
-                                      <p:cBhvr>
-                                        <p:cTn id="14" dur="1" fill="hold">
-                                          <p:stCondLst>
-                                            <p:cond delay="0"/>
-                                          </p:stCondLst>
-                                        </p:cTn>
-                                        <p:tgtEl>
-                                          <p:spTgt spid="3">
-                                            <p:txEl>
-                                              <p:pRg st="4" end="4"/>
-                                            </p:txEl>
-                                          </p:spTgt>
-                                        </p:tgtEl>
-                                        <p:attrNameLst>
-                                          <p:attrName>style.visibility</p:attrName>
-                                        </p:attrNameLst>
-                                      </p:cBhvr>
-                                      <p:to>
-                                        <p:strVal val="visible"/>
-                                      </p:to>
-                                    </p:set>
-                                  </p:childTnLst>
-                                </p:cTn>
-                              </p:par>
-                            </p:childTnLst>
-                          </p:cTn>
-                        </p:par>
-                      </p:childTnLst>
-                    </p:cTn>
-                  </p:par>
-                  <p:par>
-                    <p:cTn id="15" fill="hold">
-                      <p:stCondLst>
-                        <p:cond delay="indefinite"/>
-                      </p:stCondLst>
-                      <p:childTnLst>
-                        <p:par>
-                          <p:cTn id="16" fill="hold">
-                            <p:stCondLst>
-                              <p:cond delay="0"/>
-                            </p:stCondLst>
-                            <p:childTnLst>
-                              <p:par>
-                                <p:cTn id="17" presetID="1" presetClass="entr" presetSubtype="0" fill="hold" grpId="0" nodeType="clickEffect">
-                                  <p:stCondLst>
-                                    <p:cond delay="0"/>
-                                  </p:stCondLst>
-                                  <p:childTnLst>
-                                    <p:set>
-                                      <p:cBhvr>
-                                        <p:cTn id="18" dur="1" fill="hold">
-                                          <p:stCondLst>
-                                            <p:cond delay="0"/>
-                                          </p:stCondLst>
-                                        </p:cTn>
-                                        <p:tgtEl>
-                                          <p:spTgt spid="3">
-                                            <p:txEl>
-                                              <p:pRg st="6" end="6"/>
-                                            </p:txEl>
-                                          </p:spTgt>
-                                        </p:tgtEl>
-                                        <p:attrNameLst>
-                                          <p:attrName>style.visibility</p:attrName>
-                                        </p:attrNameLst>
-                                      </p:cBhvr>
-                                      <p:to>
-                                        <p:strVal val="visible"/>
-                                      </p:to>
-                                    </p:set>
-                                  </p:childTnLst>
-                                </p:cTn>
-                              </p:par>
-                            </p:childTnLst>
-                          </p:cTn>
-                        </p:par>
-                      </p:childTnLst>
-                    </p:cTn>
-                  </p:par>
-                </p:childTnLst>
-              </p:cTn>
-              <p:prevCondLst>
-                <p:cond evt="onPrev" delay="0">
-                  <p:tgtEl>
-                    <p:sldTgt/>
-                  </p:tgtEl>
-                </p:cond>
-              </p:prevCondLst>
-              <p:nextCondLst>
-                <p:cond evt="onNext" delay="0">
-                  <p:tgtEl>
-                    <p:sldTgt/>
-                  </p:tgtEl>
-                </p:cond>
-              </p:nextCondLst>
-            </p:seq>
-          </p:childTnLst>
-        </p:cTn>
-      </p:par>
-    </p:tnLst>
-    <p:bldLst>
-      <p:bldP spid="3" grpId="0" build="p"/>
-    </p:bldLst>
-  </p:timing>
-</p:sld>
-</file>
-
-<file path=ppt/slides/slide11.xml><?xml version="1.0" encoding="utf-8"?>
-<p:sld xmlns:a="http://schemas.openxmlformats.org/drawingml/2006/main" xmlns:r="http://schemas.openxmlformats.org/officeDocument/2006/relationships" xmlns:p="http://schemas.openxmlformats.org/presentationml/2006/main">
-  <p:cSld>
-    <p:spTree>
-      <p:nvGrpSpPr>
-        <p:cNvPr id="1" name=""/>
-        <p:cNvGrpSpPr/>
-        <p:nvPr/>
-      </p:nvGrpSpPr>
-      <p:grpSpPr>
-        <a:xfrm>
-          <a:off x="0" y="0"/>
-          <a:ext cx="0" cy="0"/>
-          <a:chOff x="0" y="0"/>
-          <a:chExt cx="0" cy="0"/>
-        </a:xfrm>
-      </p:grpSpPr>
-      <p:sp>
-        <p:nvSpPr>
-          <p:cNvPr id="2" name="Title 1"/>
-          <p:cNvSpPr>
-            <a:spLocks noGrp="1"/>
-          </p:cNvSpPr>
-          <p:nvPr>
-            <p:ph type="title"/>
-          </p:nvPr>
-        </p:nvSpPr>
-        <p:spPr/>
-        <p:txBody>
-          <a:bodyPr/>
-          <a:lstStyle/>
-          <a:p>
-            <a:r>
-              <a:rPr lang="en-US" dirty="0"/>
               <a:t>Trick: Fake Classification Task</a:t>
             </a:r>
           </a:p>
@@ -5091,7 +6793,7 @@
 </p:sld>
 </file>
 
-<file path=ppt/slides/slide12.xml><?xml version="1.0" encoding="utf-8"?>
+<file path=ppt/slides/slide11.xml><?xml version="1.0" encoding="utf-8"?>
 <p:sld xmlns:a="http://schemas.openxmlformats.org/drawingml/2006/main" xmlns:r="http://schemas.openxmlformats.org/officeDocument/2006/relationships" xmlns:p="http://schemas.openxmlformats.org/presentationml/2006/main">
   <p:cSld>
     <p:spTree>
@@ -5139,7 +6841,7 @@
           <p:nvPr/>
         </p:nvPicPr>
         <p:blipFill>
-          <a:blip r:embed="rId2">
+          <a:blip r:embed="rId3">
             <a:extLst>
               <a:ext uri="{28A0092B-C50C-407E-A947-70E740481C1C}">
                 <a14:useLocalDpi xmlns:a14="http://schemas.microsoft.com/office/drawing/2010/main" val="0"/>
@@ -5173,7 +6875,7 @@
 </p:sld>
 </file>
 
-<file path=ppt/slides/slide13.xml><?xml version="1.0" encoding="utf-8"?>
+<file path=ppt/slides/slide12.xml><?xml version="1.0" encoding="utf-8"?>
 <p:sld xmlns:a="http://schemas.openxmlformats.org/drawingml/2006/main" xmlns:r="http://schemas.openxmlformats.org/officeDocument/2006/relationships" xmlns:p="http://schemas.openxmlformats.org/presentationml/2006/main">
   <p:cSld>
     <p:spTree>
@@ -5653,102 +7355,7 @@
 </p:sld>
 </file>
 
-<file path=ppt/slides/slide14.xml><?xml version="1.0" encoding="utf-8"?>
-<p:sld xmlns:a="http://schemas.openxmlformats.org/drawingml/2006/main" xmlns:r="http://schemas.openxmlformats.org/officeDocument/2006/relationships" xmlns:p="http://schemas.openxmlformats.org/presentationml/2006/main">
-  <p:cSld>
-    <p:spTree>
-      <p:nvGrpSpPr>
-        <p:cNvPr id="1" name=""/>
-        <p:cNvGrpSpPr/>
-        <p:nvPr/>
-      </p:nvGrpSpPr>
-      <p:grpSpPr>
-        <a:xfrm>
-          <a:off x="0" y="0"/>
-          <a:ext cx="0" cy="0"/>
-          <a:chOff x="0" y="0"/>
-          <a:chExt cx="0" cy="0"/>
-        </a:xfrm>
-      </p:grpSpPr>
-      <p:sp>
-        <p:nvSpPr>
-          <p:cNvPr id="2" name="Title 1">
-            <a:extLst>
-              <a:ext uri="{FF2B5EF4-FFF2-40B4-BE49-F238E27FC236}">
-                <a16:creationId xmlns:a16="http://schemas.microsoft.com/office/drawing/2014/main" id="{451A3C74-7476-EB40-B7BA-B8C579107597}"/>
-              </a:ext>
-            </a:extLst>
-          </p:cNvPr>
-          <p:cNvSpPr>
-            <a:spLocks noGrp="1"/>
-          </p:cNvSpPr>
-          <p:nvPr>
-            <p:ph type="title"/>
-          </p:nvPr>
-        </p:nvSpPr>
-        <p:spPr/>
-        <p:txBody>
-          <a:bodyPr/>
-          <a:lstStyle/>
-          <a:p>
-            <a:r>
-              <a:rPr lang="en-US" dirty="0"/>
-              <a:t>How to train?</a:t>
-            </a:r>
-          </a:p>
-        </p:txBody>
-      </p:sp>
-      <p:sp>
-        <p:nvSpPr>
-          <p:cNvPr id="3" name="Content Placeholder 2">
-            <a:extLst>
-              <a:ext uri="{FF2B5EF4-FFF2-40B4-BE49-F238E27FC236}">
-                <a16:creationId xmlns:a16="http://schemas.microsoft.com/office/drawing/2014/main" id="{FB980249-1E6B-F747-B48D-27D9C9F9979E}"/>
-              </a:ext>
-            </a:extLst>
-          </p:cNvPr>
-          <p:cNvSpPr>
-            <a:spLocks noGrp="1"/>
-          </p:cNvSpPr>
-          <p:nvPr>
-            <p:ph idx="1"/>
-          </p:nvPr>
-        </p:nvSpPr>
-        <p:spPr/>
-        <p:txBody>
-          <a:bodyPr/>
-          <a:lstStyle/>
-          <a:p>
-            <a:r>
-              <a:rPr lang="en-US" dirty="0"/>
-              <a:t>Can’t feed a word just as a text string to a neural network</a:t>
-            </a:r>
-          </a:p>
-          <a:p>
-            <a:endParaRPr lang="en-US" dirty="0"/>
-          </a:p>
-          <a:p>
-            <a:r>
-              <a:rPr lang="en-US" dirty="0"/>
-              <a:t>So how do we train?</a:t>
-            </a:r>
-          </a:p>
-        </p:txBody>
-      </p:sp>
-    </p:spTree>
-    <p:extLst>
-      <p:ext uri="{BB962C8B-B14F-4D97-AF65-F5344CB8AC3E}">
-        <p14:creationId xmlns:p14="http://schemas.microsoft.com/office/powerpoint/2010/main" val="1192621693"/>
-      </p:ext>
-    </p:extLst>
-  </p:cSld>
-  <p:clrMapOvr>
-    <a:masterClrMapping/>
-  </p:clrMapOvr>
-</p:sld>
-</file>
-
-<file path=ppt/slides/slide15.xml><?xml version="1.0" encoding="utf-8"?>
+<file path=ppt/slides/slide13.xml><?xml version="1.0" encoding="utf-8"?>
 <p:sld xmlns:a="http://schemas.openxmlformats.org/drawingml/2006/main" xmlns:r="http://schemas.openxmlformats.org/officeDocument/2006/relationships" xmlns:p="http://schemas.openxmlformats.org/presentationml/2006/main">
   <p:cSld>
     <p:spTree>
@@ -6254,7 +7861,7 @@
 </p:sld>
 </file>
 
-<file path=ppt/slides/slide16.xml><?xml version="1.0" encoding="utf-8"?>
+<file path=ppt/slides/slide14.xml><?xml version="1.0" encoding="utf-8"?>
 <p:sld xmlns:a="http://schemas.openxmlformats.org/drawingml/2006/main" xmlns:r="http://schemas.openxmlformats.org/officeDocument/2006/relationships" xmlns:p="http://schemas.openxmlformats.org/presentationml/2006/main">
   <p:cSld>
     <p:spTree>
@@ -6280,7 +7887,7 @@
           <p:nvPr/>
         </p:nvPicPr>
         <p:blipFill>
-          <a:blip r:embed="rId2">
+          <a:blip r:embed="rId3">
             <a:extLst>
               <a:ext uri="{28A0092B-C50C-407E-A947-70E740481C1C}">
                 <a14:useLocalDpi xmlns:a14="http://schemas.microsoft.com/office/drawing/2010/main" val="0"/>
@@ -6314,7 +7921,7 @@
 </p:sld>
 </file>
 
-<file path=ppt/slides/slide17.xml><?xml version="1.0" encoding="utf-8"?>
+<file path=ppt/slides/slide15.xml><?xml version="1.0" encoding="utf-8"?>
 <p:sld xmlns:a="http://schemas.openxmlformats.org/drawingml/2006/main" xmlns:r="http://schemas.openxmlformats.org/officeDocument/2006/relationships" xmlns:p="http://schemas.openxmlformats.org/presentationml/2006/main">
   <p:cSld>
     <p:spTree>
@@ -6368,7 +7975,7 @@
           <p:nvPr/>
         </p:nvPicPr>
         <p:blipFill>
-          <a:blip r:embed="rId2">
+          <a:blip r:embed="rId3">
             <a:extLst>
               <a:ext uri="{28A0092B-C50C-407E-A947-70E740481C1C}">
                 <a14:useLocalDpi xmlns:a14="http://schemas.microsoft.com/office/drawing/2010/main" val="0"/>
@@ -6404,180 +8011,6 @@
         <p:spPr>
           <a:xfrm>
             <a:off x="7758113" y="1819275"/>
-            <a:ext cx="4129087" cy="3785652"/>
-          </a:xfrm>
-          <a:prstGeom prst="rect">
-            <a:avLst/>
-          </a:prstGeom>
-          <a:noFill/>
-        </p:spPr>
-        <p:txBody>
-          <a:bodyPr wrap="square" rtlCol="0">
-            <a:spAutoFit/>
-          </a:bodyPr>
-          <a:lstStyle/>
-          <a:p>
-            <a:r>
-              <a:rPr lang="en-US" sz="2400" b="1" dirty="0"/>
-              <a:t>Question: </a:t>
-            </a:r>
-          </a:p>
-          <a:p>
-            <a:endParaRPr lang="en-US" sz="2400" dirty="0"/>
-          </a:p>
-          <a:p>
-            <a:r>
-              <a:rPr lang="en-US" sz="2400" dirty="0"/>
-              <a:t>Suppose you go through every created training examples  (set of words (</a:t>
-            </a:r>
-            <a:r>
-              <a:rPr lang="en-US" sz="2400" dirty="0" err="1"/>
-              <a:t>w</a:t>
-            </a:r>
-            <a:r>
-              <a:rPr lang="en-US" sz="2400" baseline="-25000" dirty="0" err="1"/>
-              <a:t>input</a:t>
-            </a:r>
-            <a:r>
-              <a:rPr lang="en-US" sz="2400" dirty="0"/>
-              <a:t>, </a:t>
-            </a:r>
-            <a:r>
-              <a:rPr lang="en-US" sz="2400" dirty="0" err="1"/>
-              <a:t>w</a:t>
-            </a:r>
-            <a:r>
-              <a:rPr lang="en-US" sz="2400" baseline="-25000" dirty="0" err="1"/>
-              <a:t>output</a:t>
-            </a:r>
-            <a:r>
-              <a:rPr lang="en-US" sz="2400" dirty="0"/>
-              <a:t>). </a:t>
-            </a:r>
-          </a:p>
-          <a:p>
-            <a:endParaRPr lang="en-US" sz="2400" dirty="0"/>
-          </a:p>
-          <a:p>
-            <a:r>
-              <a:rPr lang="en-US" sz="2400" dirty="0"/>
-              <a:t>Then what?</a:t>
-            </a:r>
-          </a:p>
-          <a:p>
-            <a:endParaRPr lang="en-US" sz="2400" dirty="0"/>
-          </a:p>
-          <a:p>
-            <a:r>
-              <a:rPr lang="en-US" sz="2400" i="1" dirty="0"/>
-              <a:t>How does this learn weights for the words in our vocabulary?</a:t>
-            </a:r>
-          </a:p>
-        </p:txBody>
-      </p:sp>
-    </p:spTree>
-    <p:extLst>
-      <p:ext uri="{BB962C8B-B14F-4D97-AF65-F5344CB8AC3E}">
-        <p14:creationId xmlns:p14="http://schemas.microsoft.com/office/powerpoint/2010/main" val="1916110331"/>
-      </p:ext>
-    </p:extLst>
-  </p:cSld>
-  <p:clrMapOvr>
-    <a:masterClrMapping/>
-  </p:clrMapOvr>
-</p:sld>
-</file>
-
-<file path=ppt/slides/slide18.xml><?xml version="1.0" encoding="utf-8"?>
-<p:sld xmlns:a="http://schemas.openxmlformats.org/drawingml/2006/main" xmlns:r="http://schemas.openxmlformats.org/officeDocument/2006/relationships" xmlns:p="http://schemas.openxmlformats.org/presentationml/2006/main">
-  <p:cSld>
-    <p:spTree>
-      <p:nvGrpSpPr>
-        <p:cNvPr id="1" name=""/>
-        <p:cNvGrpSpPr/>
-        <p:nvPr/>
-      </p:nvGrpSpPr>
-      <p:grpSpPr>
-        <a:xfrm>
-          <a:off x="0" y="0"/>
-          <a:ext cx="0" cy="0"/>
-          <a:chOff x="0" y="0"/>
-          <a:chExt cx="0" cy="0"/>
-        </a:xfrm>
-      </p:grpSpPr>
-      <p:sp>
-        <p:nvSpPr>
-          <p:cNvPr id="2" name="Title 1"/>
-          <p:cNvSpPr>
-            <a:spLocks noGrp="1"/>
-          </p:cNvSpPr>
-          <p:nvPr>
-            <p:ph type="title"/>
-          </p:nvPr>
-        </p:nvSpPr>
-        <p:spPr/>
-        <p:txBody>
-          <a:bodyPr/>
-          <a:lstStyle/>
-          <a:p>
-            <a:r>
-              <a:rPr lang="en-US" dirty="0"/>
-              <a:t>After training</a:t>
-            </a:r>
-          </a:p>
-        </p:txBody>
-      </p:sp>
-      <p:pic>
-        <p:nvPicPr>
-          <p:cNvPr id="6" name="Picture 5">
-            <a:extLst>
-              <a:ext uri="{FF2B5EF4-FFF2-40B4-BE49-F238E27FC236}">
-                <a16:creationId xmlns:a16="http://schemas.microsoft.com/office/drawing/2014/main" id="{CCA15B2B-A548-EB48-9B1A-B7EC449598B0}"/>
-              </a:ext>
-            </a:extLst>
-          </p:cNvPr>
-          <p:cNvPicPr>
-            <a:picLocks noChangeAspect="1"/>
-          </p:cNvPicPr>
-          <p:nvPr/>
-        </p:nvPicPr>
-        <p:blipFill>
-          <a:blip r:embed="rId2">
-            <a:extLst>
-              <a:ext uri="{28A0092B-C50C-407E-A947-70E740481C1C}">
-                <a14:useLocalDpi xmlns:a14="http://schemas.microsoft.com/office/drawing/2010/main" val="0"/>
-              </a:ext>
-            </a:extLst>
-          </a:blip>
-          <a:stretch>
-            <a:fillRect/>
-          </a:stretch>
-        </p:blipFill>
-        <p:spPr>
-          <a:xfrm>
-            <a:off x="49372" y="1690688"/>
-            <a:ext cx="7939190" cy="4667037"/>
-          </a:xfrm>
-          <a:prstGeom prst="rect">
-            <a:avLst/>
-          </a:prstGeom>
-        </p:spPr>
-      </p:pic>
-      <p:sp>
-        <p:nvSpPr>
-          <p:cNvPr id="7" name="TextBox 6">
-            <a:extLst>
-              <a:ext uri="{FF2B5EF4-FFF2-40B4-BE49-F238E27FC236}">
-                <a16:creationId xmlns:a16="http://schemas.microsoft.com/office/drawing/2014/main" id="{A8A0FC12-57D1-134B-902D-2D3DB35BB218}"/>
-              </a:ext>
-            </a:extLst>
-          </p:cNvPr>
-          <p:cNvSpPr txBox="1"/>
-          <p:nvPr/>
-        </p:nvSpPr>
-        <p:spPr>
-          <a:xfrm>
-            <a:off x="7758113" y="1819275"/>
             <a:ext cx="4129087" cy="3416320"/>
           </a:xfrm>
           <a:prstGeom prst="rect">
@@ -6647,7 +8080,7 @@
 </p:sld>
 </file>
 
-<file path=ppt/slides/slide19.xml><?xml version="1.0" encoding="utf-8"?>
+<file path=ppt/slides/slide16.xml><?xml version="1.0" encoding="utf-8"?>
 <p:sld xmlns:a="http://schemas.openxmlformats.org/drawingml/2006/main" xmlns:r="http://schemas.openxmlformats.org/officeDocument/2006/relationships" xmlns:p="http://schemas.openxmlformats.org/presentationml/2006/main">
   <p:cSld>
     <p:spTree>
@@ -7045,99 +8478,7 @@
 </p:sld>
 </file>
 
-<file path=ppt/slides/slide2.xml><?xml version="1.0" encoding="utf-8"?>
-<p:sld xmlns:a="http://schemas.openxmlformats.org/drawingml/2006/main" xmlns:r="http://schemas.openxmlformats.org/officeDocument/2006/relationships" xmlns:p="http://schemas.openxmlformats.org/presentationml/2006/main">
-  <p:cSld>
-    <p:spTree>
-      <p:nvGrpSpPr>
-        <p:cNvPr id="1" name=""/>
-        <p:cNvGrpSpPr/>
-        <p:nvPr/>
-      </p:nvGrpSpPr>
-      <p:grpSpPr>
-        <a:xfrm>
-          <a:off x="0" y="0"/>
-          <a:ext cx="0" cy="0"/>
-          <a:chOff x="0" y="0"/>
-          <a:chExt cx="0" cy="0"/>
-        </a:xfrm>
-      </p:grpSpPr>
-      <p:sp>
-        <p:nvSpPr>
-          <p:cNvPr id="2" name="Title 1">
-            <a:extLst>
-              <a:ext uri="{FF2B5EF4-FFF2-40B4-BE49-F238E27FC236}">
-                <a16:creationId xmlns:a16="http://schemas.microsoft.com/office/drawing/2014/main" id="{681EDA1F-07CD-3349-9902-6FBDD13FA13A}"/>
-              </a:ext>
-            </a:extLst>
-          </p:cNvPr>
-          <p:cNvSpPr>
-            <a:spLocks noGrp="1"/>
-          </p:cNvSpPr>
-          <p:nvPr>
-            <p:ph type="title"/>
-          </p:nvPr>
-        </p:nvSpPr>
-        <p:spPr>
-          <a:xfrm>
-            <a:off x="974354" y="1127848"/>
-            <a:ext cx="10515600" cy="2852737"/>
-          </a:xfrm>
-        </p:spPr>
-        <p:txBody>
-          <a:bodyPr/>
-          <a:lstStyle/>
-          <a:p>
-            <a:r>
-              <a:rPr lang="en-US" dirty="0"/>
-              <a:t>Distributional Semantics</a:t>
-            </a:r>
-          </a:p>
-        </p:txBody>
-      </p:sp>
-      <p:sp>
-        <p:nvSpPr>
-          <p:cNvPr id="6" name="Text Placeholder 5">
-            <a:extLst>
-              <a:ext uri="{FF2B5EF4-FFF2-40B4-BE49-F238E27FC236}">
-                <a16:creationId xmlns:a16="http://schemas.microsoft.com/office/drawing/2014/main" id="{4824EB56-9B70-3145-AECE-F50984C1ADEF}"/>
-              </a:ext>
-            </a:extLst>
-          </p:cNvPr>
-          <p:cNvSpPr>
-            <a:spLocks noGrp="1"/>
-          </p:cNvSpPr>
-          <p:nvPr>
-            <p:ph type="body" idx="1"/>
-          </p:nvPr>
-        </p:nvSpPr>
-        <p:spPr/>
-        <p:txBody>
-          <a:bodyPr/>
-          <a:lstStyle/>
-          <a:p>
-            <a:r>
-              <a:rPr lang="en-US" dirty="0"/>
-              <a:t>Word Embeddings based on context</a:t>
-            </a:r>
-            <a:endParaRPr lang="en-US" b="1" dirty="0"/>
-          </a:p>
-        </p:txBody>
-      </p:sp>
-    </p:spTree>
-    <p:extLst>
-      <p:ext uri="{BB962C8B-B14F-4D97-AF65-F5344CB8AC3E}">
-        <p14:creationId xmlns:p14="http://schemas.microsoft.com/office/powerpoint/2010/main" val="1445027901"/>
-      </p:ext>
-    </p:extLst>
-  </p:cSld>
-  <p:clrMapOvr>
-    <a:masterClrMapping/>
-  </p:clrMapOvr>
-</p:sld>
-</file>
-
-<file path=ppt/slides/slide20.xml><?xml version="1.0" encoding="utf-8"?>
+<file path=ppt/slides/slide17.xml><?xml version="1.0" encoding="utf-8"?>
 <p:sld xmlns:a="http://schemas.openxmlformats.org/drawingml/2006/main" xmlns:r="http://schemas.openxmlformats.org/officeDocument/2006/relationships" xmlns:p="http://schemas.openxmlformats.org/presentationml/2006/main">
   <p:cSld>
     <p:spTree>
@@ -7163,7 +8504,7 @@
           <p:nvPr/>
         </p:nvPicPr>
         <p:blipFill>
-          <a:blip r:embed="rId2">
+          <a:blip r:embed="rId3">
             <a:extLst>
               <a:ext uri="{28A0092B-C50C-407E-A947-70E740481C1C}">
                 <a14:useLocalDpi xmlns:a14="http://schemas.microsoft.com/office/drawing/2010/main" val="0"/>
@@ -7513,7 +8854,7 @@
 </p:sld>
 </file>
 
-<file path=ppt/slides/slide21.xml><?xml version="1.0" encoding="utf-8"?>
+<file path=ppt/slides/slide18.xml><?xml version="1.0" encoding="utf-8"?>
 <p:sld xmlns:a="http://schemas.openxmlformats.org/drawingml/2006/main" xmlns:r="http://schemas.openxmlformats.org/officeDocument/2006/relationships" xmlns:p="http://schemas.openxmlformats.org/presentationml/2006/main">
   <p:cSld>
     <p:spTree>
@@ -7565,7 +8906,7 @@
         <p:spPr/>
         <p:txBody>
           <a:bodyPr>
-            <a:normAutofit/>
+            <a:normAutofit fontScale="92500" lnSpcReduction="10000"/>
           </a:bodyPr>
           <a:lstStyle/>
           <a:p>
@@ -7654,41 +8995,51 @@
             </a:endParaRPr>
           </a:p>
           <a:p>
-            <a:pPr lvl="2"/>
-            <a:r>
-              <a:rPr lang="en-US" dirty="0"/>
-              <a:t>and thus similar set of training examples</a:t>
-            </a:r>
-            <a:br>
-              <a:rPr lang="en-US" dirty="0"/>
-            </a:br>
-            <a:endParaRPr lang="en-US" dirty="0"/>
-          </a:p>
-          <a:p>
-            <a:pPr lvl="2"/>
-            <a:r>
-              <a:rPr lang="en-US" dirty="0"/>
-              <a:t>And thus similar </a:t>
-            </a:r>
-            <a:r>
-              <a:rPr lang="en-US" b="1" dirty="0"/>
-              <a:t>weights for the hidden layer</a:t>
-            </a:r>
-            <a:r>
-              <a:rPr lang="en-US" dirty="0"/>
-              <a:t> connected to these two words</a:t>
+            <a:r>
+              <a:rPr lang="en-US" dirty="0"/>
+              <a:t>One way for the network to output similar context predictions for these two words is if </a:t>
+            </a:r>
+            <a:r>
+              <a:rPr lang="en-US" b="1" i="1" dirty="0"/>
+              <a:t>the word vectors are similar</a:t>
+            </a:r>
+          </a:p>
+          <a:p>
+            <a:endParaRPr lang="en-US" b="1" i="1" dirty="0"/>
+          </a:p>
+          <a:p>
+            <a:r>
+              <a:rPr lang="en-US" dirty="0"/>
+              <a:t>So, if two words have </a:t>
+            </a:r>
+            <a:r>
+              <a:rPr lang="en-US" dirty="0">
+                <a:solidFill>
+                  <a:srgbClr val="0070C0"/>
+                </a:solidFill>
+              </a:rPr>
+              <a:t>similar contexts</a:t>
+            </a:r>
+            <a:r>
+              <a:rPr lang="en-US" dirty="0"/>
+              <a:t>, then our network is motivated to learn </a:t>
+            </a:r>
+            <a:r>
+              <a:rPr lang="en-US" dirty="0">
+                <a:solidFill>
+                  <a:srgbClr val="0070C0"/>
+                </a:solidFill>
+              </a:rPr>
+              <a:t>similar word vectors </a:t>
+            </a:r>
+            <a:r>
+              <a:rPr lang="en-US" dirty="0"/>
+              <a:t>for these two words!</a:t>
             </a:r>
           </a:p>
           <a:p>
             <a:pPr lvl="2"/>
             <a:endParaRPr lang="en-US" dirty="0"/>
-          </a:p>
-          <a:p>
-            <a:pPr lvl="2"/>
-            <a:r>
-              <a:rPr lang="en-US" dirty="0"/>
-              <a:t>Thus, similar vectors!</a:t>
-            </a:r>
           </a:p>
         </p:txBody>
       </p:sp>
@@ -7983,455 +9334,6 @@
                                         <p:tgtEl>
                                           <p:spTgt spid="3">
                                             <p:txEl>
-                                              <p:pRg st="6" end="6"/>
-                                            </p:txEl>
-                                          </p:spTgt>
-                                        </p:tgtEl>
-                                        <p:attrNameLst>
-                                          <p:attrName>style.visibility</p:attrName>
-                                        </p:attrNameLst>
-                                      </p:cBhvr>
-                                      <p:to>
-                                        <p:strVal val="visible"/>
-                                      </p:to>
-                                    </p:set>
-                                  </p:childTnLst>
-                                </p:cTn>
-                              </p:par>
-                            </p:childTnLst>
-                          </p:cTn>
-                        </p:par>
-                      </p:childTnLst>
-                    </p:cTn>
-                  </p:par>
-                  <p:par>
-                    <p:cTn id="27" fill="hold">
-                      <p:stCondLst>
-                        <p:cond delay="indefinite"/>
-                      </p:stCondLst>
-                      <p:childTnLst>
-                        <p:par>
-                          <p:cTn id="28" fill="hold">
-                            <p:stCondLst>
-                              <p:cond delay="0"/>
-                            </p:stCondLst>
-                            <p:childTnLst>
-                              <p:par>
-                                <p:cTn id="29" presetID="1" presetClass="entr" presetSubtype="0" fill="hold" nodeType="clickEffect">
-                                  <p:stCondLst>
-                                    <p:cond delay="0"/>
-                                  </p:stCondLst>
-                                  <p:childTnLst>
-                                    <p:set>
-                                      <p:cBhvr>
-                                        <p:cTn id="30" dur="1" fill="hold">
-                                          <p:stCondLst>
-                                            <p:cond delay="0"/>
-                                          </p:stCondLst>
-                                        </p:cTn>
-                                        <p:tgtEl>
-                                          <p:spTgt spid="3">
-                                            <p:txEl>
-                                              <p:pRg st="8" end="8"/>
-                                            </p:txEl>
-                                          </p:spTgt>
-                                        </p:tgtEl>
-                                        <p:attrNameLst>
-                                          <p:attrName>style.visibility</p:attrName>
-                                        </p:attrNameLst>
-                                      </p:cBhvr>
-                                      <p:to>
-                                        <p:strVal val="visible"/>
-                                      </p:to>
-                                    </p:set>
-                                  </p:childTnLst>
-                                </p:cTn>
-                              </p:par>
-                            </p:childTnLst>
-                          </p:cTn>
-                        </p:par>
-                      </p:childTnLst>
-                    </p:cTn>
-                  </p:par>
-                </p:childTnLst>
-              </p:cTn>
-              <p:prevCondLst>
-                <p:cond evt="onPrev" delay="0">
-                  <p:tgtEl>
-                    <p:sldTgt/>
-                  </p:tgtEl>
-                </p:cond>
-              </p:prevCondLst>
-              <p:nextCondLst>
-                <p:cond evt="onNext" delay="0">
-                  <p:tgtEl>
-                    <p:sldTgt/>
-                  </p:tgtEl>
-                </p:cond>
-              </p:nextCondLst>
-            </p:seq>
-          </p:childTnLst>
-        </p:cTn>
-      </p:par>
-    </p:tnLst>
-  </p:timing>
-</p:sld>
-</file>
-
-<file path=ppt/slides/slide22.xml><?xml version="1.0" encoding="utf-8"?>
-<p:sld xmlns:a="http://schemas.openxmlformats.org/drawingml/2006/main" xmlns:r="http://schemas.openxmlformats.org/officeDocument/2006/relationships" xmlns:p="http://schemas.openxmlformats.org/presentationml/2006/main">
-  <p:cSld>
-    <p:spTree>
-      <p:nvGrpSpPr>
-        <p:cNvPr id="1" name=""/>
-        <p:cNvGrpSpPr/>
-        <p:nvPr/>
-      </p:nvGrpSpPr>
-      <p:grpSpPr>
-        <a:xfrm>
-          <a:off x="0" y="0"/>
-          <a:ext cx="0" cy="0"/>
-          <a:chOff x="0" y="0"/>
-          <a:chExt cx="0" cy="0"/>
-        </a:xfrm>
-      </p:grpSpPr>
-      <p:sp>
-        <p:nvSpPr>
-          <p:cNvPr id="2" name="Title 1"/>
-          <p:cNvSpPr>
-            <a:spLocks noGrp="1"/>
-          </p:cNvSpPr>
-          <p:nvPr>
-            <p:ph type="title"/>
-          </p:nvPr>
-        </p:nvSpPr>
-        <p:spPr/>
-        <p:txBody>
-          <a:bodyPr/>
-          <a:lstStyle/>
-          <a:p>
-            <a:r>
-              <a:rPr lang="en-US" dirty="0"/>
-              <a:t>Skip-Gram Model Network: Intuition</a:t>
-            </a:r>
-          </a:p>
-        </p:txBody>
-      </p:sp>
-      <p:sp>
-        <p:nvSpPr>
-          <p:cNvPr id="3" name="Content Placeholder 2"/>
-          <p:cNvSpPr>
-            <a:spLocks noGrp="1"/>
-          </p:cNvSpPr>
-          <p:nvPr>
-            <p:ph idx="1"/>
-          </p:nvPr>
-        </p:nvSpPr>
-        <p:spPr/>
-        <p:txBody>
-          <a:bodyPr>
-            <a:normAutofit lnSpcReduction="10000"/>
-          </a:bodyPr>
-          <a:lstStyle/>
-          <a:p>
-            <a:endParaRPr lang="en-US" dirty="0"/>
-          </a:p>
-          <a:p>
-            <a:r>
-              <a:rPr lang="en-US" dirty="0"/>
-              <a:t>One way for the network to output similar context predictions for these two words is if </a:t>
-            </a:r>
-            <a:r>
-              <a:rPr lang="en-US" b="1" i="1" dirty="0"/>
-              <a:t>the word vectors are similar</a:t>
-            </a:r>
-          </a:p>
-          <a:p>
-            <a:endParaRPr lang="en-US" b="1" i="1" dirty="0"/>
-          </a:p>
-          <a:p>
-            <a:r>
-              <a:rPr lang="en-US" dirty="0"/>
-              <a:t>So, if two words have </a:t>
-            </a:r>
-            <a:r>
-              <a:rPr lang="en-US" dirty="0">
-                <a:solidFill>
-                  <a:srgbClr val="0070C0"/>
-                </a:solidFill>
-              </a:rPr>
-              <a:t>similar contexts</a:t>
-            </a:r>
-            <a:r>
-              <a:rPr lang="en-US" dirty="0"/>
-              <a:t>, then our network is motivated to learn </a:t>
-            </a:r>
-            <a:r>
-              <a:rPr lang="en-US" dirty="0">
-                <a:solidFill>
-                  <a:srgbClr val="0070C0"/>
-                </a:solidFill>
-              </a:rPr>
-              <a:t>similar word vectors </a:t>
-            </a:r>
-            <a:r>
-              <a:rPr lang="en-US" dirty="0"/>
-              <a:t>for these two words!</a:t>
-            </a:r>
-          </a:p>
-          <a:p>
-            <a:endParaRPr lang="en-US" dirty="0"/>
-          </a:p>
-          <a:p>
-            <a:pPr lvl="1"/>
-            <a:r>
-              <a:rPr lang="en-US" b="1" dirty="0"/>
-              <a:t>Synonyms: </a:t>
-            </a:r>
-            <a:r>
-              <a:rPr lang="en-US" dirty="0"/>
-              <a:t>cancer , carcinoma</a:t>
-            </a:r>
-          </a:p>
-          <a:p>
-            <a:pPr lvl="1"/>
-            <a:r>
-              <a:rPr lang="en-US" b="1" dirty="0"/>
-              <a:t>Related: </a:t>
-            </a:r>
-            <a:r>
-              <a:rPr lang="en-US" dirty="0"/>
-              <a:t>lung, pancreas</a:t>
-            </a:r>
-          </a:p>
-          <a:p>
-            <a:pPr lvl="1"/>
-            <a:r>
-              <a:rPr lang="en-US" b="1" dirty="0"/>
-              <a:t>Same Base form: </a:t>
-            </a:r>
-            <a:r>
-              <a:rPr lang="en-US" dirty="0" err="1"/>
-              <a:t>nsaid</a:t>
-            </a:r>
-            <a:r>
-              <a:rPr lang="en-US" dirty="0"/>
-              <a:t>, </a:t>
-            </a:r>
-            <a:r>
-              <a:rPr lang="en-US" dirty="0" err="1"/>
-              <a:t>nsaids</a:t>
-            </a:r>
-            <a:endParaRPr lang="en-US" dirty="0"/>
-          </a:p>
-        </p:txBody>
-      </p:sp>
-    </p:spTree>
-    <p:extLst>
-      <p:ext uri="{BB962C8B-B14F-4D97-AF65-F5344CB8AC3E}">
-        <p14:creationId xmlns:p14="http://schemas.microsoft.com/office/powerpoint/2010/main" val="1933341715"/>
-      </p:ext>
-    </p:extLst>
-  </p:cSld>
-  <p:clrMapOvr>
-    <a:masterClrMapping/>
-  </p:clrMapOvr>
-  <p:timing>
-    <p:tnLst>
-      <p:par>
-        <p:cTn id="1" dur="indefinite" restart="never" nodeType="tmRoot">
-          <p:childTnLst>
-            <p:seq concurrent="1" nextAc="seek">
-              <p:cTn id="2" dur="indefinite" nodeType="mainSeq">
-                <p:childTnLst>
-                  <p:par>
-                    <p:cTn id="3" fill="hold">
-                      <p:stCondLst>
-                        <p:cond delay="indefinite"/>
-                      </p:stCondLst>
-                      <p:childTnLst>
-                        <p:par>
-                          <p:cTn id="4" fill="hold">
-                            <p:stCondLst>
-                              <p:cond delay="0"/>
-                            </p:stCondLst>
-                            <p:childTnLst>
-                              <p:par>
-                                <p:cTn id="5" presetID="1" presetClass="entr" presetSubtype="0" fill="hold" nodeType="clickEffect">
-                                  <p:stCondLst>
-                                    <p:cond delay="0"/>
-                                  </p:stCondLst>
-                                  <p:childTnLst>
-                                    <p:set>
-                                      <p:cBhvr>
-                                        <p:cTn id="6" dur="1" fill="hold">
-                                          <p:stCondLst>
-                                            <p:cond delay="0"/>
-                                          </p:stCondLst>
-                                        </p:cTn>
-                                        <p:tgtEl>
-                                          <p:spTgt spid="3">
-                                            <p:txEl>
-                                              <p:pRg st="1" end="1"/>
-                                            </p:txEl>
-                                          </p:spTgt>
-                                        </p:tgtEl>
-                                        <p:attrNameLst>
-                                          <p:attrName>style.visibility</p:attrName>
-                                        </p:attrNameLst>
-                                      </p:cBhvr>
-                                      <p:to>
-                                        <p:strVal val="visible"/>
-                                      </p:to>
-                                    </p:set>
-                                  </p:childTnLst>
-                                </p:cTn>
-                              </p:par>
-                            </p:childTnLst>
-                          </p:cTn>
-                        </p:par>
-                      </p:childTnLst>
-                    </p:cTn>
-                  </p:par>
-                  <p:par>
-                    <p:cTn id="7" fill="hold">
-                      <p:stCondLst>
-                        <p:cond delay="indefinite"/>
-                      </p:stCondLst>
-                      <p:childTnLst>
-                        <p:par>
-                          <p:cTn id="8" fill="hold">
-                            <p:stCondLst>
-                              <p:cond delay="0"/>
-                            </p:stCondLst>
-                            <p:childTnLst>
-                              <p:par>
-                                <p:cTn id="9" presetID="1" presetClass="entr" presetSubtype="0" fill="hold" nodeType="clickEffect">
-                                  <p:stCondLst>
-                                    <p:cond delay="0"/>
-                                  </p:stCondLst>
-                                  <p:childTnLst>
-                                    <p:set>
-                                      <p:cBhvr>
-                                        <p:cTn id="10" dur="1" fill="hold">
-                                          <p:stCondLst>
-                                            <p:cond delay="0"/>
-                                          </p:stCondLst>
-                                        </p:cTn>
-                                        <p:tgtEl>
-                                          <p:spTgt spid="3">
-                                            <p:txEl>
-                                              <p:pRg st="3" end="3"/>
-                                            </p:txEl>
-                                          </p:spTgt>
-                                        </p:tgtEl>
-                                        <p:attrNameLst>
-                                          <p:attrName>style.visibility</p:attrName>
-                                        </p:attrNameLst>
-                                      </p:cBhvr>
-                                      <p:to>
-                                        <p:strVal val="visible"/>
-                                      </p:to>
-                                    </p:set>
-                                  </p:childTnLst>
-                                </p:cTn>
-                              </p:par>
-                            </p:childTnLst>
-                          </p:cTn>
-                        </p:par>
-                      </p:childTnLst>
-                    </p:cTn>
-                  </p:par>
-                  <p:par>
-                    <p:cTn id="11" fill="hold">
-                      <p:stCondLst>
-                        <p:cond delay="indefinite"/>
-                      </p:stCondLst>
-                      <p:childTnLst>
-                        <p:par>
-                          <p:cTn id="12" fill="hold">
-                            <p:stCondLst>
-                              <p:cond delay="0"/>
-                            </p:stCondLst>
-                            <p:childTnLst>
-                              <p:par>
-                                <p:cTn id="13" presetID="1" presetClass="entr" presetSubtype="0" fill="hold" nodeType="clickEffect">
-                                  <p:stCondLst>
-                                    <p:cond delay="0"/>
-                                  </p:stCondLst>
-                                  <p:childTnLst>
-                                    <p:set>
-                                      <p:cBhvr>
-                                        <p:cTn id="14" dur="1" fill="hold">
-                                          <p:stCondLst>
-                                            <p:cond delay="0"/>
-                                          </p:stCondLst>
-                                        </p:cTn>
-                                        <p:tgtEl>
-                                          <p:spTgt spid="3">
-                                            <p:txEl>
-                                              <p:pRg st="5" end="5"/>
-                                            </p:txEl>
-                                          </p:spTgt>
-                                        </p:tgtEl>
-                                        <p:attrNameLst>
-                                          <p:attrName>style.visibility</p:attrName>
-                                        </p:attrNameLst>
-                                      </p:cBhvr>
-                                      <p:to>
-                                        <p:strVal val="visible"/>
-                                      </p:to>
-                                    </p:set>
-                                  </p:childTnLst>
-                                </p:cTn>
-                              </p:par>
-                              <p:par>
-                                <p:cTn id="15" presetID="1" presetClass="entr" presetSubtype="0" fill="hold" nodeType="withEffect">
-                                  <p:stCondLst>
-                                    <p:cond delay="0"/>
-                                  </p:stCondLst>
-                                  <p:childTnLst>
-                                    <p:set>
-                                      <p:cBhvr>
-                                        <p:cTn id="16" dur="1" fill="hold">
-                                          <p:stCondLst>
-                                            <p:cond delay="0"/>
-                                          </p:stCondLst>
-                                        </p:cTn>
-                                        <p:tgtEl>
-                                          <p:spTgt spid="3">
-                                            <p:txEl>
-                                              <p:pRg st="6" end="6"/>
-                                            </p:txEl>
-                                          </p:spTgt>
-                                        </p:tgtEl>
-                                        <p:attrNameLst>
-                                          <p:attrName>style.visibility</p:attrName>
-                                        </p:attrNameLst>
-                                      </p:cBhvr>
-                                      <p:to>
-                                        <p:strVal val="visible"/>
-                                      </p:to>
-                                    </p:set>
-                                  </p:childTnLst>
-                                </p:cTn>
-                              </p:par>
-                              <p:par>
-                                <p:cTn id="17" presetID="1" presetClass="entr" presetSubtype="0" fill="hold" nodeType="withEffect">
-                                  <p:stCondLst>
-                                    <p:cond delay="0"/>
-                                  </p:stCondLst>
-                                  <p:childTnLst>
-                                    <p:set>
-                                      <p:cBhvr>
-                                        <p:cTn id="18" dur="1" fill="hold">
-                                          <p:stCondLst>
-                                            <p:cond delay="0"/>
-                                          </p:stCondLst>
-                                        </p:cTn>
-                                        <p:tgtEl>
-                                          <p:spTgt spid="3">
-                                            <p:txEl>
                                               <p:pRg st="7" end="7"/>
                                             </p:txEl>
                                           </p:spTgt>
@@ -8478,7 +9380,7 @@
 </p:sld>
 </file>
 
-<file path=ppt/slides/slide23.xml><?xml version="1.0" encoding="utf-8"?>
+<file path=ppt/slides/slide19.xml><?xml version="1.0" encoding="utf-8"?>
 <p:sld xmlns:a="http://schemas.openxmlformats.org/drawingml/2006/main" xmlns:r="http://schemas.openxmlformats.org/officeDocument/2006/relationships" xmlns:p="http://schemas.openxmlformats.org/presentationml/2006/main">
   <p:cSld>
     <p:spTree>
@@ -8504,7 +9406,7 @@
           <p:nvPr/>
         </p:nvPicPr>
         <p:blipFill>
-          <a:blip r:embed="rId2">
+          <a:blip r:embed="rId3">
             <a:extLst>
               <a:ext uri="{28A0092B-C50C-407E-A947-70E740481C1C}">
                 <a14:useLocalDpi xmlns:a14="http://schemas.microsoft.com/office/drawing/2010/main" val="0"/>
@@ -8538,7 +9440,7 @@
 </p:sld>
 </file>
 
-<file path=ppt/slides/slide24.xml><?xml version="1.0" encoding="utf-8"?>
+<file path=ppt/slides/slide2.xml><?xml version="1.0" encoding="utf-8"?>
 <p:sld xmlns:a="http://schemas.openxmlformats.org/drawingml/2006/main" xmlns:r="http://schemas.openxmlformats.org/officeDocument/2006/relationships" xmlns:p="http://schemas.openxmlformats.org/presentationml/2006/main">
   <p:cSld>
     <p:spTree>
@@ -8557,7 +9459,13 @@
       </p:grpSpPr>
       <p:sp>
         <p:nvSpPr>
-          <p:cNvPr id="2" name="Title 1"/>
+          <p:cNvPr id="2" name="Title 1">
+            <a:extLst>
+              <a:ext uri="{FF2B5EF4-FFF2-40B4-BE49-F238E27FC236}">
+                <a16:creationId xmlns:a16="http://schemas.microsoft.com/office/drawing/2014/main" id="{681EDA1F-07CD-3349-9902-6FBDD13FA13A}"/>
+              </a:ext>
+            </a:extLst>
+          </p:cNvPr>
           <p:cNvSpPr>
             <a:spLocks noGrp="1"/>
           </p:cNvSpPr>
@@ -8565,674 +9473,62 @@
             <p:ph type="title"/>
           </p:nvPr>
         </p:nvSpPr>
-        <p:spPr/>
+        <p:spPr>
+          <a:xfrm>
+            <a:off x="974354" y="1127848"/>
+            <a:ext cx="10515600" cy="2852737"/>
+          </a:xfrm>
+        </p:spPr>
         <p:txBody>
           <a:bodyPr/>
           <a:lstStyle/>
           <a:p>
             <a:r>
-              <a:rPr lang="en-US" b="1" dirty="0"/>
-              <a:t>Reasoning with word vectors: Analogies</a:t>
-            </a:r>
-            <a:br>
-              <a:rPr lang="en-US" b="1" dirty="0"/>
-            </a:br>
-            <a:endParaRPr lang="en-US" dirty="0"/>
-          </a:p>
-        </p:txBody>
-      </p:sp>
-      <p:pic>
-        <p:nvPicPr>
-          <p:cNvPr id="4" name="Picture 3"/>
-          <p:cNvPicPr>
-            <a:picLocks noChangeAspect="1"/>
-          </p:cNvPicPr>
-          <p:nvPr/>
-        </p:nvPicPr>
-        <p:blipFill>
-          <a:blip r:embed="rId2">
+              <a:rPr lang="en-US" dirty="0"/>
+              <a:t>Distributional Semantics</a:t>
+            </a:r>
+          </a:p>
+        </p:txBody>
+      </p:sp>
+      <p:sp>
+        <p:nvSpPr>
+          <p:cNvPr id="6" name="Text Placeholder 5">
             <a:extLst>
-              <a:ext uri="{28A0092B-C50C-407E-A947-70E740481C1C}">
-                <a14:useLocalDpi xmlns:a14="http://schemas.microsoft.com/office/drawing/2010/main" val="0"/>
+              <a:ext uri="{FF2B5EF4-FFF2-40B4-BE49-F238E27FC236}">
+                <a16:creationId xmlns:a16="http://schemas.microsoft.com/office/drawing/2014/main" id="{4824EB56-9B70-3145-AECE-F50984C1ADEF}"/>
               </a:ext>
             </a:extLst>
-          </a:blip>
-          <a:stretch>
-            <a:fillRect/>
-          </a:stretch>
-        </p:blipFill>
-        <p:spPr>
-          <a:xfrm>
-            <a:off x="838200" y="1364053"/>
-            <a:ext cx="3784795" cy="2946551"/>
-          </a:xfrm>
-          <a:prstGeom prst="rect">
-            <a:avLst/>
-          </a:prstGeom>
-        </p:spPr>
-      </p:pic>
-      <p:pic>
-        <p:nvPicPr>
-          <p:cNvPr id="5" name="Picture 4"/>
-          <p:cNvPicPr>
-            <a:picLocks noChangeAspect="1"/>
-          </p:cNvPicPr>
-          <p:nvPr/>
-        </p:nvPicPr>
-        <p:blipFill>
-          <a:blip r:embed="rId3">
-            <a:extLst>
-              <a:ext uri="{28A0092B-C50C-407E-A947-70E740481C1C}">
-                <a14:useLocalDpi xmlns:a14="http://schemas.microsoft.com/office/drawing/2010/main" val="0"/>
-              </a:ext>
-            </a:extLst>
-          </a:blip>
-          <a:stretch>
-            <a:fillRect/>
-          </a:stretch>
-        </p:blipFill>
-        <p:spPr>
-          <a:xfrm>
-            <a:off x="6436186" y="1184759"/>
-            <a:ext cx="3873699" cy="2857647"/>
-          </a:xfrm>
-          <a:prstGeom prst="rect">
-            <a:avLst/>
-          </a:prstGeom>
-        </p:spPr>
-      </p:pic>
-      <p:sp>
-        <p:nvSpPr>
-          <p:cNvPr id="6" name="Content Placeholder 2"/>
-          <p:cNvSpPr txBox="1">
-            <a:spLocks/>
-          </p:cNvSpPr>
-          <p:nvPr/>
-        </p:nvSpPr>
-        <p:spPr>
-          <a:xfrm>
-            <a:off x="838200" y="4310605"/>
-            <a:ext cx="10515600" cy="2228320"/>
-          </a:xfrm>
-          <a:prstGeom prst="rect">
-            <a:avLst/>
-          </a:prstGeom>
-        </p:spPr>
-        <p:txBody>
-          <a:bodyPr vert="horz" lIns="91440" tIns="45720" rIns="91440" bIns="45720" rtlCol="0">
-            <a:normAutofit/>
-          </a:bodyPr>
-          <a:lstStyle>
-            <a:lvl1pPr marL="228600" indent="-228600" algn="l" defTabSz="914400" rtl="0" eaLnBrk="1" latinLnBrk="0" hangingPunct="1">
-              <a:lnSpc>
-                <a:spcPct val="90000"/>
-              </a:lnSpc>
-              <a:spcBef>
-                <a:spcPts val="1000"/>
-              </a:spcBef>
-              <a:buFont typeface="Arial" panose="020B0604020202020204" pitchFamily="34" charset="0"/>
-              <a:buChar char="•"/>
-              <a:defRPr sz="2800" kern="1200">
-                <a:solidFill>
-                  <a:schemeClr val="tx1"/>
-                </a:solidFill>
-                <a:latin typeface="+mn-lt"/>
-                <a:ea typeface="+mn-ea"/>
-                <a:cs typeface="+mn-cs"/>
-              </a:defRPr>
-            </a:lvl1pPr>
-            <a:lvl2pPr marL="685800" indent="-228600" algn="l" defTabSz="914400" rtl="0" eaLnBrk="1" latinLnBrk="0" hangingPunct="1">
-              <a:lnSpc>
-                <a:spcPct val="90000"/>
-              </a:lnSpc>
-              <a:spcBef>
-                <a:spcPts val="500"/>
-              </a:spcBef>
-              <a:buFont typeface="Arial" panose="020B0604020202020204" pitchFamily="34" charset="0"/>
-              <a:buChar char="•"/>
-              <a:defRPr sz="2400" kern="1200">
-                <a:solidFill>
-                  <a:schemeClr val="tx1"/>
-                </a:solidFill>
-                <a:latin typeface="+mn-lt"/>
-                <a:ea typeface="+mn-ea"/>
-                <a:cs typeface="+mn-cs"/>
-              </a:defRPr>
-            </a:lvl2pPr>
-            <a:lvl3pPr marL="1143000" indent="-228600" algn="l" defTabSz="914400" rtl="0" eaLnBrk="1" latinLnBrk="0" hangingPunct="1">
-              <a:lnSpc>
-                <a:spcPct val="90000"/>
-              </a:lnSpc>
-              <a:spcBef>
-                <a:spcPts val="500"/>
-              </a:spcBef>
-              <a:buFont typeface="Arial" panose="020B0604020202020204" pitchFamily="34" charset="0"/>
-              <a:buChar char="•"/>
-              <a:defRPr sz="2000" kern="1200">
-                <a:solidFill>
-                  <a:schemeClr val="tx1"/>
-                </a:solidFill>
-                <a:latin typeface="+mn-lt"/>
-                <a:ea typeface="+mn-ea"/>
-                <a:cs typeface="+mn-cs"/>
-              </a:defRPr>
-            </a:lvl3pPr>
-            <a:lvl4pPr marL="1600200" indent="-228600" algn="l" defTabSz="914400" rtl="0" eaLnBrk="1" latinLnBrk="0" hangingPunct="1">
-              <a:lnSpc>
-                <a:spcPct val="90000"/>
-              </a:lnSpc>
-              <a:spcBef>
-                <a:spcPts val="500"/>
-              </a:spcBef>
-              <a:buFont typeface="Arial" panose="020B0604020202020204" pitchFamily="34" charset="0"/>
-              <a:buChar char="•"/>
-              <a:defRPr sz="1800" kern="1200">
-                <a:solidFill>
-                  <a:schemeClr val="tx1"/>
-                </a:solidFill>
-                <a:latin typeface="+mn-lt"/>
-                <a:ea typeface="+mn-ea"/>
-                <a:cs typeface="+mn-cs"/>
-              </a:defRPr>
-            </a:lvl4pPr>
-            <a:lvl5pPr marL="2057400" indent="-228600" algn="l" defTabSz="914400" rtl="0" eaLnBrk="1" latinLnBrk="0" hangingPunct="1">
-              <a:lnSpc>
-                <a:spcPct val="90000"/>
-              </a:lnSpc>
-              <a:spcBef>
-                <a:spcPts val="500"/>
-              </a:spcBef>
-              <a:buFont typeface="Arial" panose="020B0604020202020204" pitchFamily="34" charset="0"/>
-              <a:buChar char="•"/>
-              <a:defRPr sz="1800" kern="1200">
-                <a:solidFill>
-                  <a:schemeClr val="tx1"/>
-                </a:solidFill>
-                <a:latin typeface="+mn-lt"/>
-                <a:ea typeface="+mn-ea"/>
-                <a:cs typeface="+mn-cs"/>
-              </a:defRPr>
-            </a:lvl5pPr>
-            <a:lvl6pPr marL="2514600" indent="-228600" algn="l" defTabSz="914400" rtl="0" eaLnBrk="1" latinLnBrk="0" hangingPunct="1">
-              <a:lnSpc>
-                <a:spcPct val="90000"/>
-              </a:lnSpc>
-              <a:spcBef>
-                <a:spcPts val="500"/>
-              </a:spcBef>
-              <a:buFont typeface="Arial" panose="020B0604020202020204" pitchFamily="34" charset="0"/>
-              <a:buChar char="•"/>
-              <a:defRPr sz="1800" kern="1200">
-                <a:solidFill>
-                  <a:schemeClr val="tx1"/>
-                </a:solidFill>
-                <a:latin typeface="+mn-lt"/>
-                <a:ea typeface="+mn-ea"/>
-                <a:cs typeface="+mn-cs"/>
-              </a:defRPr>
-            </a:lvl6pPr>
-            <a:lvl7pPr marL="2971800" indent="-228600" algn="l" defTabSz="914400" rtl="0" eaLnBrk="1" latinLnBrk="0" hangingPunct="1">
-              <a:lnSpc>
-                <a:spcPct val="90000"/>
-              </a:lnSpc>
-              <a:spcBef>
-                <a:spcPts val="500"/>
-              </a:spcBef>
-              <a:buFont typeface="Arial" panose="020B0604020202020204" pitchFamily="34" charset="0"/>
-              <a:buChar char="•"/>
-              <a:defRPr sz="1800" kern="1200">
-                <a:solidFill>
-                  <a:schemeClr val="tx1"/>
-                </a:solidFill>
-                <a:latin typeface="+mn-lt"/>
-                <a:ea typeface="+mn-ea"/>
-                <a:cs typeface="+mn-cs"/>
-              </a:defRPr>
-            </a:lvl7pPr>
-            <a:lvl8pPr marL="3429000" indent="-228600" algn="l" defTabSz="914400" rtl="0" eaLnBrk="1" latinLnBrk="0" hangingPunct="1">
-              <a:lnSpc>
-                <a:spcPct val="90000"/>
-              </a:lnSpc>
-              <a:spcBef>
-                <a:spcPts val="500"/>
-              </a:spcBef>
-              <a:buFont typeface="Arial" panose="020B0604020202020204" pitchFamily="34" charset="0"/>
-              <a:buChar char="•"/>
-              <a:defRPr sz="1800" kern="1200">
-                <a:solidFill>
-                  <a:schemeClr val="tx1"/>
-                </a:solidFill>
-                <a:latin typeface="+mn-lt"/>
-                <a:ea typeface="+mn-ea"/>
-                <a:cs typeface="+mn-cs"/>
-              </a:defRPr>
-            </a:lvl8pPr>
-            <a:lvl9pPr marL="3886200" indent="-228600" algn="l" defTabSz="914400" rtl="0" eaLnBrk="1" latinLnBrk="0" hangingPunct="1">
-              <a:lnSpc>
-                <a:spcPct val="90000"/>
-              </a:lnSpc>
-              <a:spcBef>
-                <a:spcPts val="500"/>
-              </a:spcBef>
-              <a:buFont typeface="Arial" panose="020B0604020202020204" pitchFamily="34" charset="0"/>
-              <a:buChar char="•"/>
-              <a:defRPr sz="1800" kern="1200">
-                <a:solidFill>
-                  <a:schemeClr val="tx1"/>
-                </a:solidFill>
-                <a:latin typeface="+mn-lt"/>
-                <a:ea typeface="+mn-ea"/>
-                <a:cs typeface="+mn-cs"/>
-              </a:defRPr>
-            </a:lvl9pPr>
-          </a:lstStyle>
-          <a:p>
-            <a:r>
-              <a:rPr lang="en-US" dirty="0"/>
-              <a:t>‘a is to b as c is to ?’ style questions answered by word vectors</a:t>
-            </a:r>
-          </a:p>
-          <a:p>
-            <a:pPr lvl="1"/>
-            <a:r>
-              <a:rPr lang="en-US" dirty="0">
-                <a:solidFill>
-                  <a:srgbClr val="0070C0"/>
-                </a:solidFill>
-              </a:rPr>
-              <a:t>Man-&gt; woman : King -&gt; X</a:t>
-            </a:r>
-          </a:p>
-          <a:p>
-            <a:pPr lvl="1"/>
-            <a:r>
-              <a:rPr lang="en-US" dirty="0"/>
-              <a:t>Answer by vector offsets</a:t>
-            </a:r>
-          </a:p>
-          <a:p>
-            <a:pPr lvl="1"/>
-            <a:r>
-              <a:rPr lang="en-US" i="1" dirty="0">
-                <a:solidFill>
-                  <a:srgbClr val="C00000"/>
-                </a:solidFill>
-              </a:rPr>
-              <a:t>vector(“King”) – vector(“Man”) + vector(“Woman”)</a:t>
-            </a:r>
-            <a:r>
-              <a:rPr lang="en-US" dirty="0">
-                <a:solidFill>
-                  <a:srgbClr val="C00000"/>
-                </a:solidFill>
-              </a:rPr>
-              <a:t>  = vector(“Queen” =X)</a:t>
-            </a:r>
-          </a:p>
-          <a:p>
-            <a:pPr lvl="1"/>
-            <a:endParaRPr lang="en-US" dirty="0"/>
+          </p:cNvPr>
+          <p:cNvSpPr>
+            <a:spLocks noGrp="1"/>
+          </p:cNvSpPr>
+          <p:nvPr>
+            <p:ph type="body" idx="1"/>
+          </p:nvPr>
+        </p:nvSpPr>
+        <p:spPr/>
+        <p:txBody>
+          <a:bodyPr/>
+          <a:lstStyle/>
+          <a:p>
+            <a:r>
+              <a:rPr lang="en-US" dirty="0"/>
+              <a:t>Word Embeddings based on context</a:t>
+            </a:r>
+            <a:endParaRPr lang="en-US" b="1" dirty="0"/>
           </a:p>
         </p:txBody>
       </p:sp>
     </p:spTree>
     <p:extLst>
       <p:ext uri="{BB962C8B-B14F-4D97-AF65-F5344CB8AC3E}">
-        <p14:creationId xmlns:p14="http://schemas.microsoft.com/office/powerpoint/2010/main" val="3937847828"/>
+        <p14:creationId xmlns:p14="http://schemas.microsoft.com/office/powerpoint/2010/main" val="1445027901"/>
       </p:ext>
     </p:extLst>
   </p:cSld>
   <p:clrMapOvr>
     <a:masterClrMapping/>
   </p:clrMapOvr>
-  <p:timing>
-    <p:tnLst>
-      <p:par>
-        <p:cTn id="1" dur="indefinite" restart="never" nodeType="tmRoot">
-          <p:childTnLst>
-            <p:seq concurrent="1" nextAc="seek">
-              <p:cTn id="2" dur="indefinite" nodeType="mainSeq">
-                <p:childTnLst>
-                  <p:par>
-                    <p:cTn id="3" fill="hold">
-                      <p:stCondLst>
-                        <p:cond delay="indefinite"/>
-                      </p:stCondLst>
-                      <p:childTnLst>
-                        <p:par>
-                          <p:cTn id="4" fill="hold">
-                            <p:stCondLst>
-                              <p:cond delay="0"/>
-                            </p:stCondLst>
-                            <p:childTnLst>
-                              <p:par>
-                                <p:cTn id="5" presetID="1" presetClass="entr" presetSubtype="0" fill="hold" nodeType="clickEffect">
-                                  <p:stCondLst>
-                                    <p:cond delay="0"/>
-                                  </p:stCondLst>
-                                  <p:childTnLst>
-                                    <p:set>
-                                      <p:cBhvr>
-                                        <p:cTn id="6" dur="1" fill="hold">
-                                          <p:stCondLst>
-                                            <p:cond delay="0"/>
-                                          </p:stCondLst>
-                                        </p:cTn>
-                                        <p:tgtEl>
-                                          <p:spTgt spid="4"/>
-                                        </p:tgtEl>
-                                        <p:attrNameLst>
-                                          <p:attrName>style.visibility</p:attrName>
-                                        </p:attrNameLst>
-                                      </p:cBhvr>
-                                      <p:to>
-                                        <p:strVal val="visible"/>
-                                      </p:to>
-                                    </p:set>
-                                  </p:childTnLst>
-                                </p:cTn>
-                              </p:par>
-                            </p:childTnLst>
-                          </p:cTn>
-                        </p:par>
-                      </p:childTnLst>
-                    </p:cTn>
-                  </p:par>
-                  <p:par>
-                    <p:cTn id="7" fill="hold">
-                      <p:stCondLst>
-                        <p:cond delay="indefinite"/>
-                      </p:stCondLst>
-                      <p:childTnLst>
-                        <p:par>
-                          <p:cTn id="8" fill="hold">
-                            <p:stCondLst>
-                              <p:cond delay="0"/>
-                            </p:stCondLst>
-                            <p:childTnLst>
-                              <p:par>
-                                <p:cTn id="9" presetID="1" presetClass="entr" presetSubtype="0" fill="hold" nodeType="clickEffect">
-                                  <p:stCondLst>
-                                    <p:cond delay="0"/>
-                                  </p:stCondLst>
-                                  <p:childTnLst>
-                                    <p:set>
-                                      <p:cBhvr>
-                                        <p:cTn id="10" dur="1" fill="hold">
-                                          <p:stCondLst>
-                                            <p:cond delay="0"/>
-                                          </p:stCondLst>
-                                        </p:cTn>
-                                        <p:tgtEl>
-                                          <p:spTgt spid="5"/>
-                                        </p:tgtEl>
-                                        <p:attrNameLst>
-                                          <p:attrName>style.visibility</p:attrName>
-                                        </p:attrNameLst>
-                                      </p:cBhvr>
-                                      <p:to>
-                                        <p:strVal val="visible"/>
-                                      </p:to>
-                                    </p:set>
-                                  </p:childTnLst>
-                                </p:cTn>
-                              </p:par>
-                            </p:childTnLst>
-                          </p:cTn>
-                        </p:par>
-                      </p:childTnLst>
-                    </p:cTn>
-                  </p:par>
-                  <p:par>
-                    <p:cTn id="11" fill="hold">
-                      <p:stCondLst>
-                        <p:cond delay="indefinite"/>
-                      </p:stCondLst>
-                      <p:childTnLst>
-                        <p:par>
-                          <p:cTn id="12" fill="hold">
-                            <p:stCondLst>
-                              <p:cond delay="0"/>
-                            </p:stCondLst>
-                            <p:childTnLst>
-                              <p:par>
-                                <p:cTn id="13" presetID="1" presetClass="entr" presetSubtype="0" fill="hold" nodeType="clickEffect">
-                                  <p:stCondLst>
-                                    <p:cond delay="0"/>
-                                  </p:stCondLst>
-                                  <p:childTnLst>
-                                    <p:set>
-                                      <p:cBhvr>
-                                        <p:cTn id="14" dur="1" fill="hold">
-                                          <p:stCondLst>
-                                            <p:cond delay="0"/>
-                                          </p:stCondLst>
-                                        </p:cTn>
-                                        <p:tgtEl>
-                                          <p:spTgt spid="6">
-                                            <p:txEl>
-                                              <p:pRg st="1" end="1"/>
-                                            </p:txEl>
-                                          </p:spTgt>
-                                        </p:tgtEl>
-                                        <p:attrNameLst>
-                                          <p:attrName>style.visibility</p:attrName>
-                                        </p:attrNameLst>
-                                      </p:cBhvr>
-                                      <p:to>
-                                        <p:strVal val="visible"/>
-                                      </p:to>
-                                    </p:set>
-                                  </p:childTnLst>
-                                </p:cTn>
-                              </p:par>
-                            </p:childTnLst>
-                          </p:cTn>
-                        </p:par>
-                      </p:childTnLst>
-                    </p:cTn>
-                  </p:par>
-                </p:childTnLst>
-              </p:cTn>
-              <p:prevCondLst>
-                <p:cond evt="onPrev" delay="0">
-                  <p:tgtEl>
-                    <p:sldTgt/>
-                  </p:tgtEl>
-                </p:cond>
-              </p:prevCondLst>
-              <p:nextCondLst>
-                <p:cond evt="onNext" delay="0">
-                  <p:tgtEl>
-                    <p:sldTgt/>
-                  </p:tgtEl>
-                </p:cond>
-              </p:nextCondLst>
-            </p:seq>
-          </p:childTnLst>
-        </p:cTn>
-      </p:par>
-    </p:tnLst>
-  </p:timing>
-</p:sld>
-</file>
-
-<file path=ppt/slides/slide25.xml><?xml version="1.0" encoding="utf-8"?>
-<p:sld xmlns:a="http://schemas.openxmlformats.org/drawingml/2006/main" xmlns:r="http://schemas.openxmlformats.org/officeDocument/2006/relationships" xmlns:p="http://schemas.openxmlformats.org/presentationml/2006/main">
-  <p:cSld>
-    <p:spTree>
-      <p:nvGrpSpPr>
-        <p:cNvPr id="1" name=""/>
-        <p:cNvGrpSpPr/>
-        <p:nvPr/>
-      </p:nvGrpSpPr>
-      <p:grpSpPr>
-        <a:xfrm>
-          <a:off x="0" y="0"/>
-          <a:ext cx="0" cy="0"/>
-          <a:chOff x="0" y="0"/>
-          <a:chExt cx="0" cy="0"/>
-        </a:xfrm>
-      </p:grpSpPr>
-      <p:sp>
-        <p:nvSpPr>
-          <p:cNvPr id="2" name="Title 1"/>
-          <p:cNvSpPr>
-            <a:spLocks noGrp="1"/>
-          </p:cNvSpPr>
-          <p:nvPr>
-            <p:ph type="title"/>
-          </p:nvPr>
-        </p:nvSpPr>
-        <p:spPr/>
-        <p:txBody>
-          <a:bodyPr/>
-          <a:lstStyle/>
-          <a:p>
-            <a:r>
-              <a:rPr lang="en-US" dirty="0"/>
-              <a:t>Lab 8: Demo</a:t>
-            </a:r>
-          </a:p>
-        </p:txBody>
-      </p:sp>
-      <p:sp>
-        <p:nvSpPr>
-          <p:cNvPr id="3" name="Content Placeholder 2"/>
-          <p:cNvSpPr>
-            <a:spLocks noGrp="1"/>
-          </p:cNvSpPr>
-          <p:nvPr>
-            <p:ph idx="1"/>
-          </p:nvPr>
-        </p:nvSpPr>
-        <p:spPr/>
-        <p:txBody>
-          <a:bodyPr/>
-          <a:lstStyle/>
-          <a:p>
-            <a:r>
-              <a:rPr lang="en-US" dirty="0"/>
-              <a:t>Training, Loading, word embeddings</a:t>
-            </a:r>
-          </a:p>
-          <a:p>
-            <a:endParaRPr lang="en-US" dirty="0"/>
-          </a:p>
-          <a:p>
-            <a:pPr marL="457200" lvl="1" indent="0">
-              <a:buNone/>
-            </a:pPr>
-            <a:endParaRPr lang="en-US" dirty="0"/>
-          </a:p>
-          <a:p>
-            <a:pPr lvl="1"/>
-            <a:endParaRPr lang="en-US" dirty="0"/>
-          </a:p>
-          <a:p>
-            <a:pPr lvl="2"/>
-            <a:endParaRPr lang="en-US" dirty="0"/>
-          </a:p>
-          <a:p>
-            <a:pPr marL="457200" lvl="1" indent="0">
-              <a:buNone/>
-            </a:pPr>
-            <a:endParaRPr lang="en-US" dirty="0"/>
-          </a:p>
-        </p:txBody>
-      </p:sp>
-    </p:spTree>
-    <p:extLst>
-      <p:ext uri="{BB962C8B-B14F-4D97-AF65-F5344CB8AC3E}">
-        <p14:creationId xmlns:p14="http://schemas.microsoft.com/office/powerpoint/2010/main" val="612339841"/>
-      </p:ext>
-    </p:extLst>
-  </p:cSld>
-  <p:clrMapOvr>
-    <a:masterClrMapping/>
-  </p:clrMapOvr>
-  <p:timing>
-    <p:tnLst>
-      <p:par>
-        <p:cTn id="1" dur="indefinite" restart="never" nodeType="tmRoot">
-          <p:childTnLst>
-            <p:seq concurrent="1" nextAc="seek">
-              <p:cTn id="2" dur="indefinite" nodeType="mainSeq">
-                <p:childTnLst>
-                  <p:par>
-                    <p:cTn id="3" fill="hold">
-                      <p:stCondLst>
-                        <p:cond delay="indefinite"/>
-                      </p:stCondLst>
-                      <p:childTnLst>
-                        <p:par>
-                          <p:cTn id="4" fill="hold">
-                            <p:stCondLst>
-                              <p:cond delay="0"/>
-                            </p:stCondLst>
-                            <p:childTnLst>
-                              <p:par>
-                                <p:cTn id="5" presetID="1" presetClass="entr" presetSubtype="0" fill="hold" grpId="0" nodeType="clickEffect">
-                                  <p:stCondLst>
-                                    <p:cond delay="0"/>
-                                  </p:stCondLst>
-                                  <p:childTnLst>
-                                    <p:set>
-                                      <p:cBhvr>
-                                        <p:cTn id="6" dur="1" fill="hold">
-                                          <p:stCondLst>
-                                            <p:cond delay="0"/>
-                                          </p:stCondLst>
-                                        </p:cTn>
-                                        <p:tgtEl>
-                                          <p:spTgt spid="3">
-                                            <p:txEl>
-                                              <p:pRg st="0" end="0"/>
-                                            </p:txEl>
-                                          </p:spTgt>
-                                        </p:tgtEl>
-                                        <p:attrNameLst>
-                                          <p:attrName>style.visibility</p:attrName>
-                                        </p:attrNameLst>
-                                      </p:cBhvr>
-                                      <p:to>
-                                        <p:strVal val="visible"/>
-                                      </p:to>
-                                    </p:set>
-                                  </p:childTnLst>
-                                </p:cTn>
-                              </p:par>
-                            </p:childTnLst>
-                          </p:cTn>
-                        </p:par>
-                      </p:childTnLst>
-                    </p:cTn>
-                  </p:par>
-                </p:childTnLst>
-              </p:cTn>
-              <p:prevCondLst>
-                <p:cond evt="onPrev" delay="0">
-                  <p:tgtEl>
-                    <p:sldTgt/>
-                  </p:tgtEl>
-                </p:cond>
-              </p:prevCondLst>
-              <p:nextCondLst>
-                <p:cond evt="onNext" delay="0">
-                  <p:tgtEl>
-                    <p:sldTgt/>
-                  </p:tgtEl>
-                </p:cond>
-              </p:nextCondLst>
-            </p:seq>
-          </p:childTnLst>
-        </p:cTn>
-      </p:par>
-    </p:tnLst>
-    <p:bldLst>
-      <p:bldP spid="3" grpId="0" build="p"/>
-    </p:bldLst>
-  </p:timing>
 </p:sld>
 </file>
 
@@ -9325,7 +9621,7 @@
                   <a:srgbClr val="0070C0"/>
                 </a:solidFill>
               </a:rPr>
-              <a:t>“You shall know a word by the company it keeps”</a:t>
+              <a:t>“You shall know a word by the company it keeps” – A Synopsis of Linguistic Theory (1957)</a:t>
             </a:r>
           </a:p>
           <a:p>
@@ -9623,7 +9919,7 @@
           <p:nvPr/>
         </p:nvPicPr>
         <p:blipFill>
-          <a:blip r:embed="rId2"/>
+          <a:blip r:embed="rId3"/>
           <a:stretch>
             <a:fillRect/>
           </a:stretch>
@@ -10180,7 +10476,7 @@
           <p:nvPr/>
         </p:nvPicPr>
         <p:blipFill>
-          <a:blip r:embed="rId2"/>
+          <a:blip r:embed="rId3"/>
           <a:stretch>
             <a:fillRect/>
           </a:stretch>
@@ -11050,7 +11346,7 @@
           <p:nvPr/>
         </p:nvPicPr>
         <p:blipFill>
-          <a:blip r:embed="rId2"/>
+          <a:blip r:embed="rId3"/>
           <a:stretch>
             <a:fillRect/>
           </a:stretch>
@@ -11492,9 +11788,6 @@
           </a:bodyPr>
           <a:lstStyle/>
           <a:p>
-            <a:endParaRPr lang="en-US" dirty="0"/>
-          </a:p>
-          <a:p>
             <a:r>
               <a:rPr lang="en-US" dirty="0"/>
               <a:t>Uses a </a:t>
@@ -11549,7 +11842,12 @@
             <a:endParaRPr lang="en-US" dirty="0"/>
           </a:p>
           <a:p>
-            <a:pPr lvl="1"/>
+            <a:r>
+              <a:rPr lang="en-US" b="1" i="1" dirty="0"/>
+              <a:t>But then we’re not actually going to use that neural network for the task we trained it on!</a:t>
+            </a:r>
+          </a:p>
+          <a:p>
             <a:endParaRPr lang="en-US" b="1" i="1" dirty="0"/>
           </a:p>
         </p:txBody>
@@ -11557,7 +11855,7 @@
     </p:spTree>
     <p:extLst>
       <p:ext uri="{BB962C8B-B14F-4D97-AF65-F5344CB8AC3E}">
-        <p14:creationId xmlns:p14="http://schemas.microsoft.com/office/powerpoint/2010/main" val="307176462"/>
+        <p14:creationId xmlns:p14="http://schemas.microsoft.com/office/powerpoint/2010/main" val="3641336572"/>
       </p:ext>
     </p:extLst>
   </p:cSld>
@@ -11600,7 +11898,7 @@
                                         <p:tgtEl>
                                           <p:spTgt spid="3">
                                             <p:txEl>
-                                              <p:pRg st="1" end="1"/>
+                                              <p:pRg st="0" end="0"/>
                                             </p:txEl>
                                           </p:spTgt>
                                         </p:tgtEl>
@@ -11649,7 +11947,56 @@
                                         <p:tgtEl>
                                           <p:spTgt spid="3">
                                             <p:txEl>
-                                              <p:pRg st="3" end="3"/>
+                                              <p:pRg st="2" end="2"/>
+                                            </p:txEl>
+                                          </p:spTgt>
+                                        </p:tgtEl>
+                                        <p:attrNameLst>
+                                          <p:attrName>style.visibility</p:attrName>
+                                        </p:attrNameLst>
+                                      </p:cBhvr>
+                                      <p:to>
+                                        <p:strVal val="visible"/>
+                                      </p:to>
+                                    </p:set>
+                                  </p:childTnLst>
+                                </p:cTn>
+                              </p:par>
+                            </p:childTnLst>
+                          </p:cTn>
+                        </p:par>
+                      </p:childTnLst>
+                    </p:cTn>
+                  </p:par>
+                  <p:par>
+                    <p:cTn id="11" fill="hold">
+                      <p:stCondLst>
+                        <p:cond delay="indefinite"/>
+                      </p:stCondLst>
+                      <p:childTnLst>
+                        <p:par>
+                          <p:cTn id="12" fill="hold">
+                            <p:stCondLst>
+                              <p:cond delay="0"/>
+                            </p:stCondLst>
+                            <p:childTnLst>
+                              <p:par>
+                                <p:cTn id="13" presetID="1" presetClass="entr" presetSubtype="0" fill="hold" grpId="0" nodeType="clickEffect">
+                                  <p:stCondLst>
+                                    <p:cond delay="0"/>
+                                  </p:stCondLst>
+                                  <p:childTnLst>
+                                    <p:set>
+                                      <p:cBhvr>
+                                        <p:cTn id="14" dur="1" fill="hold">
+                                          <p:stCondLst>
+                                            <p:cond delay="0"/>
+                                          </p:stCondLst>
+                                        </p:cTn>
+                                        <p:tgtEl>
+                                          <p:spTgt spid="3">
+                                            <p:txEl>
+                                              <p:pRg st="4" end="4"/>
                                             </p:txEl>
                                           </p:spTgt>
                                         </p:tgtEl>
